--- a/PPTs/05_state_management_and_provisioners.pptx
+++ b/PPTs/05_state_management_and_provisioners.pptx
@@ -221,6 +221,179 @@
 
 <file path=ppt/changesInfos/changesInfo1.xml><?xml version="1.0" encoding="utf-8"?>
 <pc:chgInfo xmlns:a="http://schemas.openxmlformats.org/drawingml/2006/main" xmlns:r="http://schemas.openxmlformats.org/officeDocument/2006/relationships" xmlns:ac="http://schemas.microsoft.com/office/drawing/2013/main/command" xmlns:pc="http://schemas.microsoft.com/office/powerpoint/2013/main/command">
+  <pc:docChgLst>
+    <pc:chgData name="Suren Mohandass" userId="7d651f86-eb57-4558-b56c-97c886fa0419" providerId="ADAL" clId="{BAC4B313-8125-4ED7-A8A6-B08CCC0F7920}"/>
+    <pc:docChg chg="custSel addSld modSld modSection">
+      <pc:chgData name="Suren Mohandass" userId="7d651f86-eb57-4558-b56c-97c886fa0419" providerId="ADAL" clId="{BAC4B313-8125-4ED7-A8A6-B08CCC0F7920}" dt="2021-05-07T08:53:26.898" v="392" actId="1076"/>
+      <pc:docMkLst>
+        <pc:docMk/>
+      </pc:docMkLst>
+      <pc:sldChg chg="addSp delSp modSp new mod chgLayout">
+        <pc:chgData name="Suren Mohandass" userId="7d651f86-eb57-4558-b56c-97c886fa0419" providerId="ADAL" clId="{BAC4B313-8125-4ED7-A8A6-B08CCC0F7920}" dt="2021-05-07T08:53:26.898" v="392" actId="1076"/>
+        <pc:sldMkLst>
+          <pc:docMk/>
+          <pc:sldMk cId="2547490301" sldId="2076138300"/>
+        </pc:sldMkLst>
+        <pc:spChg chg="del mod ord">
+          <ac:chgData name="Suren Mohandass" userId="7d651f86-eb57-4558-b56c-97c886fa0419" providerId="ADAL" clId="{BAC4B313-8125-4ED7-A8A6-B08CCC0F7920}" dt="2021-05-07T08:40:24.129" v="1" actId="700"/>
+          <ac:spMkLst>
+            <pc:docMk/>
+            <pc:sldMk cId="2547490301" sldId="2076138300"/>
+            <ac:spMk id="2" creationId="{BB013FFE-F383-49B0-9D8F-15298D36184E}"/>
+          </ac:spMkLst>
+        </pc:spChg>
+        <pc:spChg chg="del mod ord">
+          <ac:chgData name="Suren Mohandass" userId="7d651f86-eb57-4558-b56c-97c886fa0419" providerId="ADAL" clId="{BAC4B313-8125-4ED7-A8A6-B08CCC0F7920}" dt="2021-05-07T08:40:24.129" v="1" actId="700"/>
+          <ac:spMkLst>
+            <pc:docMk/>
+            <pc:sldMk cId="2547490301" sldId="2076138300"/>
+            <ac:spMk id="3" creationId="{F3F25DCE-F2A9-432E-B978-8095E978D953}"/>
+          </ac:spMkLst>
+        </pc:spChg>
+        <pc:spChg chg="add mod ord">
+          <ac:chgData name="Suren Mohandass" userId="7d651f86-eb57-4558-b56c-97c886fa0419" providerId="ADAL" clId="{BAC4B313-8125-4ED7-A8A6-B08CCC0F7920}" dt="2021-05-07T08:40:26.619" v="6" actId="20577"/>
+          <ac:spMkLst>
+            <pc:docMk/>
+            <pc:sldMk cId="2547490301" sldId="2076138300"/>
+            <ac:spMk id="4" creationId="{82F76F1A-E2AC-43C0-80AD-CCD37E8452D7}"/>
+          </ac:spMkLst>
+        </pc:spChg>
+        <pc:spChg chg="add mod ord">
+          <ac:chgData name="Suren Mohandass" userId="7d651f86-eb57-4558-b56c-97c886fa0419" providerId="ADAL" clId="{BAC4B313-8125-4ED7-A8A6-B08CCC0F7920}" dt="2021-05-07T08:53:26.898" v="392" actId="1076"/>
+          <ac:spMkLst>
+            <pc:docMk/>
+            <pc:sldMk cId="2547490301" sldId="2076138300"/>
+            <ac:spMk id="5" creationId="{84D93C38-5632-41E1-A0FC-71E6F97BECD0}"/>
+          </ac:spMkLst>
+        </pc:spChg>
+      </pc:sldChg>
+    </pc:docChg>
+  </pc:docChgLst>
+  <pc:docChgLst>
+    <pc:chgData name="Suren Mohandass" userId="7d651f86-eb57-4558-b56c-97c886fa0419" providerId="ADAL" clId="{9C54BD78-DE4B-4165-912E-4D576795C64C}"/>
+    <pc:docChg chg="custSel addSld delSld modSld modSection">
+      <pc:chgData name="Suren Mohandass" userId="7d651f86-eb57-4558-b56c-97c886fa0419" providerId="ADAL" clId="{9C54BD78-DE4B-4165-912E-4D576795C64C}" dt="2020-06-10T14:05:18.405" v="142" actId="20577"/>
+      <pc:docMkLst>
+        <pc:docMk/>
+      </pc:docMkLst>
+      <pc:sldChg chg="modSp mod">
+        <pc:chgData name="Suren Mohandass" userId="7d651f86-eb57-4558-b56c-97c886fa0419" providerId="ADAL" clId="{9C54BD78-DE4B-4165-912E-4D576795C64C}" dt="2020-06-09T21:33:16.069" v="41" actId="20577"/>
+        <pc:sldMkLst>
+          <pc:docMk/>
+          <pc:sldMk cId="227259900" sldId="2107"/>
+        </pc:sldMkLst>
+        <pc:spChg chg="mod">
+          <ac:chgData name="Suren Mohandass" userId="7d651f86-eb57-4558-b56c-97c886fa0419" providerId="ADAL" clId="{9C54BD78-DE4B-4165-912E-4D576795C64C}" dt="2020-06-09T21:33:16.069" v="41" actId="20577"/>
+          <ac:spMkLst>
+            <pc:docMk/>
+            <pc:sldMk cId="227259900" sldId="2107"/>
+            <ac:spMk id="6" creationId="{0F41697E-2975-42A9-96F2-3D5D3E062F24}"/>
+          </ac:spMkLst>
+        </pc:spChg>
+      </pc:sldChg>
+      <pc:sldChg chg="del">
+        <pc:chgData name="Suren Mohandass" userId="7d651f86-eb57-4558-b56c-97c886fa0419" providerId="ADAL" clId="{9C54BD78-DE4B-4165-912E-4D576795C64C}" dt="2020-06-09T21:32:53.895" v="0" actId="47"/>
+        <pc:sldMkLst>
+          <pc:docMk/>
+          <pc:sldMk cId="3035991470" sldId="2109"/>
+        </pc:sldMkLst>
+      </pc:sldChg>
+      <pc:sldChg chg="addSp delSp modSp add mod delAnim modAnim">
+        <pc:chgData name="Suren Mohandass" userId="7d651f86-eb57-4558-b56c-97c886fa0419" providerId="ADAL" clId="{9C54BD78-DE4B-4165-912E-4D576795C64C}" dt="2020-06-10T14:05:18.405" v="142" actId="20577"/>
+        <pc:sldMkLst>
+          <pc:docMk/>
+          <pc:sldMk cId="4134124350" sldId="2111"/>
+        </pc:sldMkLst>
+        <pc:spChg chg="mod">
+          <ac:chgData name="Suren Mohandass" userId="7d651f86-eb57-4558-b56c-97c886fa0419" providerId="ADAL" clId="{9C54BD78-DE4B-4165-912E-4D576795C64C}" dt="2020-06-10T14:02:32.733" v="55" actId="20577"/>
+          <ac:spMkLst>
+            <pc:docMk/>
+            <pc:sldMk cId="4134124350" sldId="2111"/>
+            <ac:spMk id="2" creationId="{CE406BF2-B6F9-4DD4-A1FE-87B6665308AF}"/>
+          </ac:spMkLst>
+        </pc:spChg>
+        <pc:spChg chg="add mod">
+          <ac:chgData name="Suren Mohandass" userId="7d651f86-eb57-4558-b56c-97c886fa0419" providerId="ADAL" clId="{9C54BD78-DE4B-4165-912E-4D576795C64C}" dt="2020-06-10T14:03:57.357" v="97" actId="14100"/>
+          <ac:spMkLst>
+            <pc:docMk/>
+            <pc:sldMk cId="4134124350" sldId="2111"/>
+            <ac:spMk id="3" creationId="{2C2532E1-88B4-4C40-BA32-EA5E26894E10}"/>
+          </ac:spMkLst>
+        </pc:spChg>
+        <pc:spChg chg="del mod">
+          <ac:chgData name="Suren Mohandass" userId="7d651f86-eb57-4558-b56c-97c886fa0419" providerId="ADAL" clId="{9C54BD78-DE4B-4165-912E-4D576795C64C}" dt="2020-06-10T14:03:24.540" v="93"/>
+          <ac:spMkLst>
+            <pc:docMk/>
+            <pc:sldMk cId="4134124350" sldId="2111"/>
+            <ac:spMk id="5" creationId="{5A3CFACE-593A-44A1-8DA7-F21BFD4704C5}"/>
+          </ac:spMkLst>
+        </pc:spChg>
+        <pc:spChg chg="del">
+          <ac:chgData name="Suren Mohandass" userId="7d651f86-eb57-4558-b56c-97c886fa0419" providerId="ADAL" clId="{9C54BD78-DE4B-4165-912E-4D576795C64C}" dt="2020-06-10T14:03:27.706" v="94" actId="478"/>
+          <ac:spMkLst>
+            <pc:docMk/>
+            <pc:sldMk cId="4134124350" sldId="2111"/>
+            <ac:spMk id="6" creationId="{0B3ABB8D-0118-458A-BEA8-70E172BD1E80}"/>
+          </ac:spMkLst>
+        </pc:spChg>
+        <pc:spChg chg="mod">
+          <ac:chgData name="Suren Mohandass" userId="7d651f86-eb57-4558-b56c-97c886fa0419" providerId="ADAL" clId="{9C54BD78-DE4B-4165-912E-4D576795C64C}" dt="2020-06-10T14:05:18.405" v="142" actId="20577"/>
+          <ac:spMkLst>
+            <pc:docMk/>
+            <pc:sldMk cId="4134124350" sldId="2111"/>
+            <ac:spMk id="8" creationId="{85DFC961-626B-4545-89BE-963E520C4426}"/>
+          </ac:spMkLst>
+        </pc:spChg>
+        <pc:spChg chg="del">
+          <ac:chgData name="Suren Mohandass" userId="7d651f86-eb57-4558-b56c-97c886fa0419" providerId="ADAL" clId="{9C54BD78-DE4B-4165-912E-4D576795C64C}" dt="2020-06-10T14:02:39.395" v="60" actId="478"/>
+          <ac:spMkLst>
+            <pc:docMk/>
+            <pc:sldMk cId="4134124350" sldId="2111"/>
+            <ac:spMk id="11" creationId="{7AC57E45-993F-43C4-B7B8-B9A7ABC10849}"/>
+          </ac:spMkLst>
+        </pc:spChg>
+      </pc:sldChg>
+    </pc:docChg>
+  </pc:docChgLst>
+  <pc:docChgLst>
+    <pc:chgData name="Suren Mohandass" userId="7d651f86-eb57-4558-b56c-97c886fa0419" providerId="ADAL" clId="{6CDBCD0B-9566-4E3D-A9BD-6D000A413A29}"/>
+    <pc:docChg chg="addSld modSld modSection">
+      <pc:chgData name="Suren Mohandass" userId="7d651f86-eb57-4558-b56c-97c886fa0419" providerId="ADAL" clId="{6CDBCD0B-9566-4E3D-A9BD-6D000A413A29}" dt="2021-03-24T09:40:45.646" v="5" actId="20577"/>
+      <pc:docMkLst>
+        <pc:docMk/>
+      </pc:docMkLst>
+      <pc:sldChg chg="modSp add mod">
+        <pc:chgData name="Suren Mohandass" userId="7d651f86-eb57-4558-b56c-97c886fa0419" providerId="ADAL" clId="{6CDBCD0B-9566-4E3D-A9BD-6D000A413A29}" dt="2021-03-24T09:40:45.646" v="5" actId="20577"/>
+        <pc:sldMkLst>
+          <pc:docMk/>
+          <pc:sldMk cId="2611908054" sldId="2076138299"/>
+        </pc:sldMkLst>
+        <pc:spChg chg="mod">
+          <ac:chgData name="Suren Mohandass" userId="7d651f86-eb57-4558-b56c-97c886fa0419" providerId="ADAL" clId="{6CDBCD0B-9566-4E3D-A9BD-6D000A413A29}" dt="2021-03-24T09:40:45.646" v="5" actId="20577"/>
+          <ac:spMkLst>
+            <pc:docMk/>
+            <pc:sldMk cId="2611908054" sldId="2076138299"/>
+            <ac:spMk id="2" creationId="{9B873492-D151-5548-BF9A-9A1584C2D477}"/>
+          </ac:spMkLst>
+        </pc:spChg>
+      </pc:sldChg>
+      <pc:sldMasterChg chg="addSldLayout modSldLayout">
+        <pc:chgData name="Suren Mohandass" userId="7d651f86-eb57-4558-b56c-97c886fa0419" providerId="ADAL" clId="{6CDBCD0B-9566-4E3D-A9BD-6D000A413A29}" dt="2021-03-24T09:40:40.543" v="0" actId="22"/>
+        <pc:sldMasterMkLst>
+          <pc:docMk/>
+          <pc:sldMasterMk cId="3588427678" sldId="2147484229"/>
+        </pc:sldMasterMkLst>
+        <pc:sldLayoutChg chg="add mod">
+          <pc:chgData name="Suren Mohandass" userId="7d651f86-eb57-4558-b56c-97c886fa0419" providerId="ADAL" clId="{6CDBCD0B-9566-4E3D-A9BD-6D000A413A29}" dt="2021-03-24T09:40:40.543" v="0" actId="22"/>
+          <pc:sldLayoutMkLst>
+            <pc:docMk/>
+            <pc:sldMasterMk cId="3588427678" sldId="2147484229"/>
+            <pc:sldLayoutMk cId="4237997752" sldId="2147484933"/>
+          </pc:sldLayoutMkLst>
+        </pc:sldLayoutChg>
+      </pc:sldMasterChg>
+    </pc:docChg>
+  </pc:docChgLst>
   <pc:docChgLst>
     <pc:chgData name="Suren Mohandass" userId="7d651f86-eb57-4558-b56c-97c886fa0419" providerId="ADAL" clId="{F711CDF0-420F-4A43-8C82-B9AB2FBEFFCC}"/>
     <pc:docChg chg="undo redo custSel addSld delSld modSld sldOrd addSection delSection modSection">
@@ -1010,45 +1183,6 @@
     </pc:docChg>
   </pc:docChgLst>
   <pc:docChgLst>
-    <pc:chgData name="Suren Mohandass" userId="7d651f86-eb57-4558-b56c-97c886fa0419" providerId="ADAL" clId="{6CDBCD0B-9566-4E3D-A9BD-6D000A413A29}"/>
-    <pc:docChg chg="addSld modSld modSection">
-      <pc:chgData name="Suren Mohandass" userId="7d651f86-eb57-4558-b56c-97c886fa0419" providerId="ADAL" clId="{6CDBCD0B-9566-4E3D-A9BD-6D000A413A29}" dt="2021-03-24T09:40:45.646" v="5" actId="20577"/>
-      <pc:docMkLst>
-        <pc:docMk/>
-      </pc:docMkLst>
-      <pc:sldChg chg="modSp add mod">
-        <pc:chgData name="Suren Mohandass" userId="7d651f86-eb57-4558-b56c-97c886fa0419" providerId="ADAL" clId="{6CDBCD0B-9566-4E3D-A9BD-6D000A413A29}" dt="2021-03-24T09:40:45.646" v="5" actId="20577"/>
-        <pc:sldMkLst>
-          <pc:docMk/>
-          <pc:sldMk cId="2611908054" sldId="2076138299"/>
-        </pc:sldMkLst>
-        <pc:spChg chg="mod">
-          <ac:chgData name="Suren Mohandass" userId="7d651f86-eb57-4558-b56c-97c886fa0419" providerId="ADAL" clId="{6CDBCD0B-9566-4E3D-A9BD-6D000A413A29}" dt="2021-03-24T09:40:45.646" v="5" actId="20577"/>
-          <ac:spMkLst>
-            <pc:docMk/>
-            <pc:sldMk cId="2611908054" sldId="2076138299"/>
-            <ac:spMk id="2" creationId="{9B873492-D151-5548-BF9A-9A1584C2D477}"/>
-          </ac:spMkLst>
-        </pc:spChg>
-      </pc:sldChg>
-      <pc:sldMasterChg chg="addSldLayout modSldLayout">
-        <pc:chgData name="Suren Mohandass" userId="7d651f86-eb57-4558-b56c-97c886fa0419" providerId="ADAL" clId="{6CDBCD0B-9566-4E3D-A9BD-6D000A413A29}" dt="2021-03-24T09:40:40.543" v="0" actId="22"/>
-        <pc:sldMasterMkLst>
-          <pc:docMk/>
-          <pc:sldMasterMk cId="3588427678" sldId="2147484229"/>
-        </pc:sldMasterMkLst>
-        <pc:sldLayoutChg chg="add mod">
-          <pc:chgData name="Suren Mohandass" userId="7d651f86-eb57-4558-b56c-97c886fa0419" providerId="ADAL" clId="{6CDBCD0B-9566-4E3D-A9BD-6D000A413A29}" dt="2021-03-24T09:40:40.543" v="0" actId="22"/>
-          <pc:sldLayoutMkLst>
-            <pc:docMk/>
-            <pc:sldMasterMk cId="3588427678" sldId="2147484229"/>
-            <pc:sldLayoutMk cId="4237997752" sldId="2147484933"/>
-          </pc:sldLayoutMkLst>
-        </pc:sldLayoutChg>
-      </pc:sldMasterChg>
-    </pc:docChg>
-  </pc:docChgLst>
-  <pc:docChgLst>
     <pc:chgData name="Suren Mohandass" userId="7d651f86-eb57-4558-b56c-97c886fa0419" providerId="ADAL" clId="{B5FC0A87-3B93-472F-A6F8-791843FA4F0C}"/>
     <pc:docChg chg="delSld delSection modSection">
       <pc:chgData name="Suren Mohandass" userId="7d651f86-eb57-4558-b56c-97c886fa0419" providerId="ADAL" clId="{B5FC0A87-3B93-472F-A6F8-791843FA4F0C}" dt="2020-06-15T11:14:00.759" v="6" actId="17851"/>
@@ -1240,92 +1374,6 @@
     </pc:docChg>
   </pc:docChgLst>
   <pc:docChgLst>
-    <pc:chgData name="Suren Mohandass" userId="7d651f86-eb57-4558-b56c-97c886fa0419" providerId="ADAL" clId="{9C54BD78-DE4B-4165-912E-4D576795C64C}"/>
-    <pc:docChg chg="custSel addSld delSld modSld modSection">
-      <pc:chgData name="Suren Mohandass" userId="7d651f86-eb57-4558-b56c-97c886fa0419" providerId="ADAL" clId="{9C54BD78-DE4B-4165-912E-4D576795C64C}" dt="2020-06-10T14:05:18.405" v="142" actId="20577"/>
-      <pc:docMkLst>
-        <pc:docMk/>
-      </pc:docMkLst>
-      <pc:sldChg chg="modSp mod">
-        <pc:chgData name="Suren Mohandass" userId="7d651f86-eb57-4558-b56c-97c886fa0419" providerId="ADAL" clId="{9C54BD78-DE4B-4165-912E-4D576795C64C}" dt="2020-06-09T21:33:16.069" v="41" actId="20577"/>
-        <pc:sldMkLst>
-          <pc:docMk/>
-          <pc:sldMk cId="227259900" sldId="2107"/>
-        </pc:sldMkLst>
-        <pc:spChg chg="mod">
-          <ac:chgData name="Suren Mohandass" userId="7d651f86-eb57-4558-b56c-97c886fa0419" providerId="ADAL" clId="{9C54BD78-DE4B-4165-912E-4D576795C64C}" dt="2020-06-09T21:33:16.069" v="41" actId="20577"/>
-          <ac:spMkLst>
-            <pc:docMk/>
-            <pc:sldMk cId="227259900" sldId="2107"/>
-            <ac:spMk id="6" creationId="{0F41697E-2975-42A9-96F2-3D5D3E062F24}"/>
-          </ac:spMkLst>
-        </pc:spChg>
-      </pc:sldChg>
-      <pc:sldChg chg="del">
-        <pc:chgData name="Suren Mohandass" userId="7d651f86-eb57-4558-b56c-97c886fa0419" providerId="ADAL" clId="{9C54BD78-DE4B-4165-912E-4D576795C64C}" dt="2020-06-09T21:32:53.895" v="0" actId="47"/>
-        <pc:sldMkLst>
-          <pc:docMk/>
-          <pc:sldMk cId="3035991470" sldId="2109"/>
-        </pc:sldMkLst>
-      </pc:sldChg>
-      <pc:sldChg chg="addSp delSp modSp add mod delAnim modAnim">
-        <pc:chgData name="Suren Mohandass" userId="7d651f86-eb57-4558-b56c-97c886fa0419" providerId="ADAL" clId="{9C54BD78-DE4B-4165-912E-4D576795C64C}" dt="2020-06-10T14:05:18.405" v="142" actId="20577"/>
-        <pc:sldMkLst>
-          <pc:docMk/>
-          <pc:sldMk cId="4134124350" sldId="2111"/>
-        </pc:sldMkLst>
-        <pc:spChg chg="mod">
-          <ac:chgData name="Suren Mohandass" userId="7d651f86-eb57-4558-b56c-97c886fa0419" providerId="ADAL" clId="{9C54BD78-DE4B-4165-912E-4D576795C64C}" dt="2020-06-10T14:02:32.733" v="55" actId="20577"/>
-          <ac:spMkLst>
-            <pc:docMk/>
-            <pc:sldMk cId="4134124350" sldId="2111"/>
-            <ac:spMk id="2" creationId="{CE406BF2-B6F9-4DD4-A1FE-87B6665308AF}"/>
-          </ac:spMkLst>
-        </pc:spChg>
-        <pc:spChg chg="add mod">
-          <ac:chgData name="Suren Mohandass" userId="7d651f86-eb57-4558-b56c-97c886fa0419" providerId="ADAL" clId="{9C54BD78-DE4B-4165-912E-4D576795C64C}" dt="2020-06-10T14:03:57.357" v="97" actId="14100"/>
-          <ac:spMkLst>
-            <pc:docMk/>
-            <pc:sldMk cId="4134124350" sldId="2111"/>
-            <ac:spMk id="3" creationId="{2C2532E1-88B4-4C40-BA32-EA5E26894E10}"/>
-          </ac:spMkLst>
-        </pc:spChg>
-        <pc:spChg chg="del mod">
-          <ac:chgData name="Suren Mohandass" userId="7d651f86-eb57-4558-b56c-97c886fa0419" providerId="ADAL" clId="{9C54BD78-DE4B-4165-912E-4D576795C64C}" dt="2020-06-10T14:03:24.540" v="93"/>
-          <ac:spMkLst>
-            <pc:docMk/>
-            <pc:sldMk cId="4134124350" sldId="2111"/>
-            <ac:spMk id="5" creationId="{5A3CFACE-593A-44A1-8DA7-F21BFD4704C5}"/>
-          </ac:spMkLst>
-        </pc:spChg>
-        <pc:spChg chg="del">
-          <ac:chgData name="Suren Mohandass" userId="7d651f86-eb57-4558-b56c-97c886fa0419" providerId="ADAL" clId="{9C54BD78-DE4B-4165-912E-4D576795C64C}" dt="2020-06-10T14:03:27.706" v="94" actId="478"/>
-          <ac:spMkLst>
-            <pc:docMk/>
-            <pc:sldMk cId="4134124350" sldId="2111"/>
-            <ac:spMk id="6" creationId="{0B3ABB8D-0118-458A-BEA8-70E172BD1E80}"/>
-          </ac:spMkLst>
-        </pc:spChg>
-        <pc:spChg chg="mod">
-          <ac:chgData name="Suren Mohandass" userId="7d651f86-eb57-4558-b56c-97c886fa0419" providerId="ADAL" clId="{9C54BD78-DE4B-4165-912E-4D576795C64C}" dt="2020-06-10T14:05:18.405" v="142" actId="20577"/>
-          <ac:spMkLst>
-            <pc:docMk/>
-            <pc:sldMk cId="4134124350" sldId="2111"/>
-            <ac:spMk id="8" creationId="{85DFC961-626B-4545-89BE-963E520C4426}"/>
-          </ac:spMkLst>
-        </pc:spChg>
-        <pc:spChg chg="del">
-          <ac:chgData name="Suren Mohandass" userId="7d651f86-eb57-4558-b56c-97c886fa0419" providerId="ADAL" clId="{9C54BD78-DE4B-4165-912E-4D576795C64C}" dt="2020-06-10T14:02:39.395" v="60" actId="478"/>
-          <ac:spMkLst>
-            <pc:docMk/>
-            <pc:sldMk cId="4134124350" sldId="2111"/>
-            <ac:spMk id="11" creationId="{7AC57E45-993F-43C4-B7B8-B9A7ABC10849}"/>
-          </ac:spMkLst>
-        </pc:spChg>
-      </pc:sldChg>
-    </pc:docChg>
-  </pc:docChgLst>
-  <pc:docChgLst>
     <pc:chgData name="Suren Mohandass" userId="7d651f86-eb57-4558-b56c-97c886fa0419" providerId="ADAL" clId="{10EA369C-0D22-4259-AD45-45D7C0D48F0E}"/>
     <pc:docChg chg="custSel modSld">
       <pc:chgData name="Suren Mohandass" userId="7d651f86-eb57-4558-b56c-97c886fa0419" providerId="ADAL" clId="{10EA369C-0D22-4259-AD45-45D7C0D48F0E}" dt="2020-09-29T13:23:00.719" v="348" actId="207"/>
@@ -1425,54 +1473,6 @@
             <ac:picMk id="18" creationId="{E5037081-9C71-4C47-AE11-FB435C76CF36}"/>
           </ac:picMkLst>
         </pc:picChg>
-      </pc:sldChg>
-    </pc:docChg>
-  </pc:docChgLst>
-  <pc:docChgLst>
-    <pc:chgData name="Suren Mohandass" userId="7d651f86-eb57-4558-b56c-97c886fa0419" providerId="ADAL" clId="{BAC4B313-8125-4ED7-A8A6-B08CCC0F7920}"/>
-    <pc:docChg chg="custSel addSld modSld modSection">
-      <pc:chgData name="Suren Mohandass" userId="7d651f86-eb57-4558-b56c-97c886fa0419" providerId="ADAL" clId="{BAC4B313-8125-4ED7-A8A6-B08CCC0F7920}" dt="2021-05-07T08:53:26.898" v="392" actId="1076"/>
-      <pc:docMkLst>
-        <pc:docMk/>
-      </pc:docMkLst>
-      <pc:sldChg chg="addSp delSp modSp new mod chgLayout">
-        <pc:chgData name="Suren Mohandass" userId="7d651f86-eb57-4558-b56c-97c886fa0419" providerId="ADAL" clId="{BAC4B313-8125-4ED7-A8A6-B08CCC0F7920}" dt="2021-05-07T08:53:26.898" v="392" actId="1076"/>
-        <pc:sldMkLst>
-          <pc:docMk/>
-          <pc:sldMk cId="2547490301" sldId="2076138300"/>
-        </pc:sldMkLst>
-        <pc:spChg chg="del mod ord">
-          <ac:chgData name="Suren Mohandass" userId="7d651f86-eb57-4558-b56c-97c886fa0419" providerId="ADAL" clId="{BAC4B313-8125-4ED7-A8A6-B08CCC0F7920}" dt="2021-05-07T08:40:24.129" v="1" actId="700"/>
-          <ac:spMkLst>
-            <pc:docMk/>
-            <pc:sldMk cId="2547490301" sldId="2076138300"/>
-            <ac:spMk id="2" creationId="{BB013FFE-F383-49B0-9D8F-15298D36184E}"/>
-          </ac:spMkLst>
-        </pc:spChg>
-        <pc:spChg chg="del mod ord">
-          <ac:chgData name="Suren Mohandass" userId="7d651f86-eb57-4558-b56c-97c886fa0419" providerId="ADAL" clId="{BAC4B313-8125-4ED7-A8A6-B08CCC0F7920}" dt="2021-05-07T08:40:24.129" v="1" actId="700"/>
-          <ac:spMkLst>
-            <pc:docMk/>
-            <pc:sldMk cId="2547490301" sldId="2076138300"/>
-            <ac:spMk id="3" creationId="{F3F25DCE-F2A9-432E-B978-8095E978D953}"/>
-          </ac:spMkLst>
-        </pc:spChg>
-        <pc:spChg chg="add mod ord">
-          <ac:chgData name="Suren Mohandass" userId="7d651f86-eb57-4558-b56c-97c886fa0419" providerId="ADAL" clId="{BAC4B313-8125-4ED7-A8A6-B08CCC0F7920}" dt="2021-05-07T08:40:26.619" v="6" actId="20577"/>
-          <ac:spMkLst>
-            <pc:docMk/>
-            <pc:sldMk cId="2547490301" sldId="2076138300"/>
-            <ac:spMk id="4" creationId="{82F76F1A-E2AC-43C0-80AD-CCD37E8452D7}"/>
-          </ac:spMkLst>
-        </pc:spChg>
-        <pc:spChg chg="add mod ord">
-          <ac:chgData name="Suren Mohandass" userId="7d651f86-eb57-4558-b56c-97c886fa0419" providerId="ADAL" clId="{BAC4B313-8125-4ED7-A8A6-B08CCC0F7920}" dt="2021-05-07T08:53:26.898" v="392" actId="1076"/>
-          <ac:spMkLst>
-            <pc:docMk/>
-            <pc:sldMk cId="2547490301" sldId="2076138300"/>
-            <ac:spMk id="5" creationId="{84D93C38-5632-41E1-A0FC-71E6F97BECD0}"/>
-          </ac:spMkLst>
-        </pc:spChg>
       </pc:sldChg>
     </pc:docChg>
   </pc:docChgLst>
@@ -5635,154 +5635,6 @@
         </a:p>
       </dgm:t>
     </dgm:pt>
-    <dgm:pt modelId="{7A4CA31D-9CF9-4DC8-9E2C-D08014DA5ED8}">
-      <dgm:prSet/>
-      <dgm:spPr/>
-      <dgm:t>
-        <a:bodyPr/>
-        <a:lstStyle/>
-        <a:p>
-          <a:r>
-            <a:rPr lang="en-US" baseline="0"/>
-            <a:t>Infrastructure Patterns</a:t>
-          </a:r>
-          <a:endParaRPr lang="en-GB"/>
-        </a:p>
-      </dgm:t>
-    </dgm:pt>
-    <dgm:pt modelId="{CD921C78-2E62-4898-B0C8-7F9E7087E02B}" type="parTrans" cxnId="{189DCB93-B22D-4E6A-9A5C-755F3819104A}">
-      <dgm:prSet/>
-      <dgm:spPr/>
-      <dgm:t>
-        <a:bodyPr/>
-        <a:lstStyle/>
-        <a:p>
-          <a:endParaRPr lang="en-GB"/>
-        </a:p>
-      </dgm:t>
-    </dgm:pt>
-    <dgm:pt modelId="{B6EDD5AE-B9C8-41DA-B917-208F41C6FC7D}" type="sibTrans" cxnId="{189DCB93-B22D-4E6A-9A5C-755F3819104A}">
-      <dgm:prSet/>
-      <dgm:spPr/>
-      <dgm:t>
-        <a:bodyPr/>
-        <a:lstStyle/>
-        <a:p>
-          <a:endParaRPr lang="en-GB"/>
-        </a:p>
-      </dgm:t>
-    </dgm:pt>
-    <dgm:pt modelId="{1AFC4821-50F0-4717-A291-79E050E6B35D}">
-      <dgm:prSet/>
-      <dgm:spPr/>
-      <dgm:t>
-        <a:bodyPr/>
-        <a:lstStyle/>
-        <a:p>
-          <a:r>
-            <a:rPr lang="en-US" baseline="0" dirty="0"/>
-            <a:t>Mutable vs Immutable Infrastructure</a:t>
-          </a:r>
-          <a:endParaRPr lang="en-GB" dirty="0"/>
-        </a:p>
-      </dgm:t>
-    </dgm:pt>
-    <dgm:pt modelId="{9780624D-397D-428B-A11E-79B1C1A658CB}" type="parTrans" cxnId="{635D6BD0-BD8D-4546-BD62-306E0F939201}">
-      <dgm:prSet/>
-      <dgm:spPr/>
-      <dgm:t>
-        <a:bodyPr/>
-        <a:lstStyle/>
-        <a:p>
-          <a:endParaRPr lang="en-GB"/>
-        </a:p>
-      </dgm:t>
-    </dgm:pt>
-    <dgm:pt modelId="{CC33A839-C851-4814-85FE-A296C9A55177}" type="sibTrans" cxnId="{635D6BD0-BD8D-4546-BD62-306E0F939201}">
-      <dgm:prSet/>
-      <dgm:spPr/>
-      <dgm:t>
-        <a:bodyPr/>
-        <a:lstStyle/>
-        <a:p>
-          <a:endParaRPr lang="en-GB"/>
-        </a:p>
-      </dgm:t>
-    </dgm:pt>
-    <dgm:pt modelId="{D953C949-82BF-48A3-93DE-B24BDAB0503C}">
-      <dgm:prSet/>
-      <dgm:spPr/>
-      <dgm:t>
-        <a:bodyPr/>
-        <a:lstStyle/>
-        <a:p>
-          <a:r>
-            <a:rPr lang="en-US" baseline="0" dirty="0"/>
-            <a:t>Provisioning vs Config Management	</a:t>
-          </a:r>
-          <a:endParaRPr lang="en-GB" dirty="0"/>
-        </a:p>
-      </dgm:t>
-    </dgm:pt>
-    <dgm:pt modelId="{903DE8EB-02FF-4E0F-A98A-77EF7E9CDD7D}" type="parTrans" cxnId="{FFC1593B-D079-47B8-913F-4537729A7404}">
-      <dgm:prSet/>
-      <dgm:spPr/>
-      <dgm:t>
-        <a:bodyPr/>
-        <a:lstStyle/>
-        <a:p>
-          <a:endParaRPr lang="en-GB"/>
-        </a:p>
-      </dgm:t>
-    </dgm:pt>
-    <dgm:pt modelId="{4C9FA3A9-1EFA-4E11-9CCC-EE64480E4A35}" type="sibTrans" cxnId="{FFC1593B-D079-47B8-913F-4537729A7404}">
-      <dgm:prSet/>
-      <dgm:spPr/>
-      <dgm:t>
-        <a:bodyPr/>
-        <a:lstStyle/>
-        <a:p>
-          <a:endParaRPr lang="en-GB"/>
-        </a:p>
-      </dgm:t>
-    </dgm:pt>
-    <dgm:pt modelId="{31CBFDA0-901B-461F-98F8-4320B5FC2B3B}">
-      <dgm:prSet/>
-      <dgm:spPr/>
-      <dgm:t>
-        <a:bodyPr/>
-        <a:lstStyle/>
-        <a:p>
-          <a:r>
-            <a:rPr lang="en-US" baseline="0"/>
-            <a:t>Ansible Essentials</a:t>
-          </a:r>
-          <a:endParaRPr lang="en-GB"/>
-        </a:p>
-      </dgm:t>
-    </dgm:pt>
-    <dgm:pt modelId="{3A937DE6-5B5F-4FB1-A433-6FF79AB9680F}" type="parTrans" cxnId="{322FD3F6-807C-4A84-8337-838AF5E0E0E8}">
-      <dgm:prSet/>
-      <dgm:spPr/>
-      <dgm:t>
-        <a:bodyPr/>
-        <a:lstStyle/>
-        <a:p>
-          <a:endParaRPr lang="en-GB"/>
-        </a:p>
-      </dgm:t>
-    </dgm:pt>
-    <dgm:pt modelId="{8F54B692-2BAD-4508-B961-697326DF9A63}" type="sibTrans" cxnId="{322FD3F6-807C-4A84-8337-838AF5E0E0E8}">
-      <dgm:prSet/>
-      <dgm:spPr/>
-      <dgm:t>
-        <a:bodyPr/>
-        <a:lstStyle/>
-        <a:p>
-          <a:endParaRPr lang="en-GB"/>
-        </a:p>
-      </dgm:t>
-    </dgm:pt>
     <dgm:pt modelId="{250558D6-BB3C-4C17-975F-4B0CCA647A95}" type="pres">
       <dgm:prSet presAssocID="{1E183334-C54B-4179-BDE4-1AD5A1D7828F}" presName="linear" presStyleCnt="0">
         <dgm:presLayoutVars>
@@ -5793,7 +5645,7 @@
       <dgm:spPr/>
     </dgm:pt>
     <dgm:pt modelId="{D87F901D-F362-4EEE-8870-A5642299A331}" type="pres">
-      <dgm:prSet presAssocID="{7FD46A88-0ADC-4B27-85CA-4145676F690E}" presName="parentText" presStyleLbl="node1" presStyleIdx="0" presStyleCnt="4">
+      <dgm:prSet presAssocID="{7FD46A88-0ADC-4B27-85CA-4145676F690E}" presName="parentText" presStyleLbl="node1" presStyleIdx="0" presStyleCnt="2">
         <dgm:presLayoutVars>
           <dgm:chMax val="0"/>
           <dgm:bulletEnabled val="1"/>
@@ -5806,7 +5658,7 @@
       <dgm:spPr/>
     </dgm:pt>
     <dgm:pt modelId="{A17CADE2-0C2F-46BB-BBE5-C7C6C39115D5}" type="pres">
-      <dgm:prSet presAssocID="{8F93BC52-72BF-4CD1-B886-CA6EEA1CF1A2}" presName="parentText" presStyleLbl="node1" presStyleIdx="1" presStyleCnt="4">
+      <dgm:prSet presAssocID="{8F93BC52-72BF-4CD1-B886-CA6EEA1CF1A2}" presName="parentText" presStyleLbl="node1" presStyleIdx="1" presStyleCnt="2">
         <dgm:presLayoutVars>
           <dgm:chMax val="0"/>
           <dgm:bulletEnabled val="1"/>
@@ -5815,34 +5667,8 @@
       <dgm:spPr/>
     </dgm:pt>
     <dgm:pt modelId="{89A7A788-35F9-4794-851F-729E02FAC605}" type="pres">
-      <dgm:prSet presAssocID="{8F93BC52-72BF-4CD1-B886-CA6EEA1CF1A2}" presName="childText" presStyleLbl="revTx" presStyleIdx="0" presStyleCnt="2">
+      <dgm:prSet presAssocID="{8F93BC52-72BF-4CD1-B886-CA6EEA1CF1A2}" presName="childText" presStyleLbl="revTx" presStyleIdx="0" presStyleCnt="1">
         <dgm:presLayoutVars>
-          <dgm:bulletEnabled val="1"/>
-        </dgm:presLayoutVars>
-      </dgm:prSet>
-      <dgm:spPr/>
-    </dgm:pt>
-    <dgm:pt modelId="{F4114F8A-AD66-4088-AEB4-4B2B144B7A2D}" type="pres">
-      <dgm:prSet presAssocID="{7A4CA31D-9CF9-4DC8-9E2C-D08014DA5ED8}" presName="parentText" presStyleLbl="node1" presStyleIdx="2" presStyleCnt="4">
-        <dgm:presLayoutVars>
-          <dgm:chMax val="0"/>
-          <dgm:bulletEnabled val="1"/>
-        </dgm:presLayoutVars>
-      </dgm:prSet>
-      <dgm:spPr/>
-    </dgm:pt>
-    <dgm:pt modelId="{7AB3A055-84A5-42AA-89CF-4B4AC1488F92}" type="pres">
-      <dgm:prSet presAssocID="{7A4CA31D-9CF9-4DC8-9E2C-D08014DA5ED8}" presName="childText" presStyleLbl="revTx" presStyleIdx="1" presStyleCnt="2">
-        <dgm:presLayoutVars>
-          <dgm:bulletEnabled val="1"/>
-        </dgm:presLayoutVars>
-      </dgm:prSet>
-      <dgm:spPr/>
-    </dgm:pt>
-    <dgm:pt modelId="{1B501C43-586E-4F77-A86C-02ABFB54F5BC}" type="pres">
-      <dgm:prSet presAssocID="{31CBFDA0-901B-461F-98F8-4320B5FC2B3B}" presName="parentText" presStyleLbl="node1" presStyleIdx="3" presStyleCnt="4">
-        <dgm:presLayoutVars>
-          <dgm:chMax val="0"/>
           <dgm:bulletEnabled val="1"/>
         </dgm:presLayoutVars>
       </dgm:prSet>
@@ -5856,38 +5682,27 @@
     <dgm:cxn modelId="{D4524017-9667-49F2-B896-CB5868497A88}" srcId="{319D3AEF-00B6-4279-BAEC-20584FFF09A6}" destId="{362C2FFD-CB41-4BF7-8D02-CBE4AA97C039}" srcOrd="0" destOrd="0" parTransId="{73FFF8A9-8CC0-4668-8571-358776AB1513}" sibTransId="{90D6EDEB-1A94-487D-9D21-6EB042AB475F}"/>
     <dgm:cxn modelId="{AD62DA17-8ED5-41FF-B505-99D03464CB81}" type="presOf" srcId="{4A91509E-2AE9-4F46-A06E-9108B45B9F37}" destId="{89A7A788-35F9-4794-851F-729E02FAC605}" srcOrd="0" destOrd="7" presId="urn:microsoft.com/office/officeart/2005/8/layout/vList2"/>
     <dgm:cxn modelId="{BE6A2424-B286-49ED-953B-C5DD11371145}" type="presOf" srcId="{362C2FFD-CB41-4BF7-8D02-CBE4AA97C039}" destId="{89A7A788-35F9-4794-851F-729E02FAC605}" srcOrd="0" destOrd="5" presId="urn:microsoft.com/office/officeart/2005/8/layout/vList2"/>
-    <dgm:cxn modelId="{FFC1593B-D079-47B8-913F-4537729A7404}" srcId="{7A4CA31D-9CF9-4DC8-9E2C-D08014DA5ED8}" destId="{D953C949-82BF-48A3-93DE-B24BDAB0503C}" srcOrd="1" destOrd="0" parTransId="{903DE8EB-02FF-4E0F-A98A-77EF7E9CDD7D}" sibTransId="{4C9FA3A9-1EFA-4E11-9CCC-EE64480E4A35}"/>
     <dgm:cxn modelId="{1E66823D-5F5C-4469-98BD-380CDF9DCD47}" type="presOf" srcId="{77A58459-A0A9-428F-A19E-C4113B2640CF}" destId="{89A7A788-35F9-4794-851F-729E02FAC605}" srcOrd="0" destOrd="3" presId="urn:microsoft.com/office/officeart/2005/8/layout/vList2"/>
     <dgm:cxn modelId="{ACC4F83F-49E2-474B-A599-E52CE466D924}" type="presOf" srcId="{319D3AEF-00B6-4279-BAEC-20584FFF09A6}" destId="{89A7A788-35F9-4794-851F-729E02FAC605}" srcOrd="0" destOrd="4" presId="urn:microsoft.com/office/officeart/2005/8/layout/vList2"/>
     <dgm:cxn modelId="{1C38E95E-06CA-404B-8856-6364A1C17EB7}" type="presOf" srcId="{C57D85CD-E75E-43DD-9F6C-5B262CCF4496}" destId="{89A7A788-35F9-4794-851F-729E02FAC605}" srcOrd="0" destOrd="0" presId="urn:microsoft.com/office/officeart/2005/8/layout/vList2"/>
     <dgm:cxn modelId="{7A1AA761-4947-40B7-9BFE-ACD6771712D4}" srcId="{1E183334-C54B-4179-BDE4-1AD5A1D7828F}" destId="{8F93BC52-72BF-4CD1-B886-CA6EEA1CF1A2}" srcOrd="1" destOrd="0" parTransId="{4C64BEBE-E71B-4D44-BADA-2AB160F72805}" sibTransId="{3950946F-93C2-437C-B51E-9CB7EF862E0E}"/>
-    <dgm:cxn modelId="{246ACD66-15E9-4431-B231-446245525949}" type="presOf" srcId="{7A4CA31D-9CF9-4DC8-9E2C-D08014DA5ED8}" destId="{F4114F8A-AD66-4088-AEB4-4B2B144B7A2D}" srcOrd="0" destOrd="0" presId="urn:microsoft.com/office/officeart/2005/8/layout/vList2"/>
     <dgm:cxn modelId="{28E99E58-70EF-42EE-A947-E6B9B88EB6A6}" type="presOf" srcId="{7FD46A88-0ADC-4B27-85CA-4145676F690E}" destId="{D87F901D-F362-4EEE-8870-A5642299A331}" srcOrd="0" destOrd="0" presId="urn:microsoft.com/office/officeart/2005/8/layout/vList2"/>
     <dgm:cxn modelId="{398A4C80-1C8F-446B-9F37-D6EBED012DFA}" srcId="{C23B60A2-CC65-4070-B74C-ED40A9CCA62A}" destId="{4A91509E-2AE9-4F46-A06E-9108B45B9F37}" srcOrd="0" destOrd="0" parTransId="{995D900A-3EC1-4A49-998F-2EDCD4EE1014}" sibTransId="{BF6E5170-8934-4D79-9BC5-55C46DCAD0A4}"/>
-    <dgm:cxn modelId="{07179283-3557-40C0-B9DA-3A1801569E89}" type="presOf" srcId="{D953C949-82BF-48A3-93DE-B24BDAB0503C}" destId="{7AB3A055-84A5-42AA-89CF-4B4AC1488F92}" srcOrd="0" destOrd="1" presId="urn:microsoft.com/office/officeart/2005/8/layout/vList2"/>
     <dgm:cxn modelId="{29E66485-E49A-48DA-8CF0-A45A0404CD11}" srcId="{1E183334-C54B-4179-BDE4-1AD5A1D7828F}" destId="{7FD46A88-0ADC-4B27-85CA-4145676F690E}" srcOrd="0" destOrd="0" parTransId="{341221B8-6973-4A35-B38C-B9C87A04A05F}" sibTransId="{1CB6432D-2D29-453F-A8F4-2427457A75DF}"/>
     <dgm:cxn modelId="{93D2788D-6D47-4047-A7F9-767706C01601}" type="presOf" srcId="{BF743E0E-EB87-4B34-A731-E18851EEF0E3}" destId="{89A7A788-35F9-4794-851F-729E02FAC605}" srcOrd="0" destOrd="2" presId="urn:microsoft.com/office/officeart/2005/8/layout/vList2"/>
-    <dgm:cxn modelId="{189DCB93-B22D-4E6A-9A5C-755F3819104A}" srcId="{1E183334-C54B-4179-BDE4-1AD5A1D7828F}" destId="{7A4CA31D-9CF9-4DC8-9E2C-D08014DA5ED8}" srcOrd="2" destOrd="0" parTransId="{CD921C78-2E62-4898-B0C8-7F9E7087E02B}" sibTransId="{B6EDD5AE-B9C8-41DA-B917-208F41C6FC7D}"/>
     <dgm:cxn modelId="{4CEDF7AF-5806-4D20-8519-E6D92AC27ED3}" srcId="{8F93BC52-72BF-4CD1-B886-CA6EEA1CF1A2}" destId="{77A58459-A0A9-428F-A19E-C4113B2640CF}" srcOrd="3" destOrd="0" parTransId="{664FABAF-02C0-4004-B60C-4F2B7C8A5002}" sibTransId="{25B87CA9-7736-470A-A6B2-F856B31E35B7}"/>
     <dgm:cxn modelId="{7411B0B5-1278-4EC7-BE22-0DD1FC671EE2}" srcId="{8F93BC52-72BF-4CD1-B886-CA6EEA1CF1A2}" destId="{319D3AEF-00B6-4279-BAEC-20584FFF09A6}" srcOrd="4" destOrd="0" parTransId="{09E6E62F-CFEC-489C-A773-0232FD001FA0}" sibTransId="{969626DA-C7C8-468A-A55F-25D1F1875D03}"/>
     <dgm:cxn modelId="{33B9A1BB-07FD-449A-BECC-6644E0AC28F3}" srcId="{8F93BC52-72BF-4CD1-B886-CA6EEA1CF1A2}" destId="{53819041-9625-499E-A3E4-5C530795AC6D}" srcOrd="6" destOrd="0" parTransId="{CAB2B751-9C0D-4B4E-A386-92034EC5BB28}" sibTransId="{67BE4C18-AFB7-4B7F-AB32-72F7B2704B90}"/>
-    <dgm:cxn modelId="{CB0B27C8-BCA3-47CB-B44B-2145EB4FFEBB}" type="presOf" srcId="{1AFC4821-50F0-4717-A291-79E050E6B35D}" destId="{7AB3A055-84A5-42AA-89CF-4B4AC1488F92}" srcOrd="0" destOrd="0" presId="urn:microsoft.com/office/officeart/2005/8/layout/vList2"/>
     <dgm:cxn modelId="{0F1FCBCB-FA4B-4DDF-92A2-8287CAA3BD5E}" type="presOf" srcId="{8F93BC52-72BF-4CD1-B886-CA6EEA1CF1A2}" destId="{A17CADE2-0C2F-46BB-BBE5-C7C6C39115D5}" srcOrd="0" destOrd="0" presId="urn:microsoft.com/office/officeart/2005/8/layout/vList2"/>
-    <dgm:cxn modelId="{635D6BD0-BD8D-4546-BD62-306E0F939201}" srcId="{7A4CA31D-9CF9-4DC8-9E2C-D08014DA5ED8}" destId="{1AFC4821-50F0-4717-A291-79E050E6B35D}" srcOrd="0" destOrd="0" parTransId="{9780624D-397D-428B-A11E-79B1C1A658CB}" sibTransId="{CC33A839-C851-4814-85FE-A296C9A55177}"/>
     <dgm:cxn modelId="{850696DB-4259-4C7E-A92E-0F778A6FCCBE}" srcId="{8F93BC52-72BF-4CD1-B886-CA6EEA1CF1A2}" destId="{BF743E0E-EB87-4B34-A731-E18851EEF0E3}" srcOrd="2" destOrd="0" parTransId="{6020E212-6FAF-41AB-81E2-50A2DBD58F02}" sibTransId="{4ED11D6B-E807-403C-9878-88BE732B667E}"/>
     <dgm:cxn modelId="{527EEBE5-1AEB-4550-8DBA-0C4DCBC8F4FB}" type="presOf" srcId="{0D740C7B-185B-4ED8-BF65-420D2D9B950B}" destId="{89A7A788-35F9-4794-851F-729E02FAC605}" srcOrd="0" destOrd="1" presId="urn:microsoft.com/office/officeart/2005/8/layout/vList2"/>
     <dgm:cxn modelId="{ED3312E7-58C1-4700-9650-F623307688BF}" type="presOf" srcId="{C23B60A2-CC65-4070-B74C-ED40A9CCA62A}" destId="{89A7A788-35F9-4794-851F-729E02FAC605}" srcOrd="0" destOrd="6" presId="urn:microsoft.com/office/officeart/2005/8/layout/vList2"/>
     <dgm:cxn modelId="{D5F238EF-4BB0-446B-8C2C-69F18499BB69}" type="presOf" srcId="{1E183334-C54B-4179-BDE4-1AD5A1D7828F}" destId="{250558D6-BB3C-4C17-975F-4B0CCA647A95}" srcOrd="0" destOrd="0" presId="urn:microsoft.com/office/officeart/2005/8/layout/vList2"/>
     <dgm:cxn modelId="{C36976F1-C714-4DEC-83D6-E27692125C8C}" srcId="{8F93BC52-72BF-4CD1-B886-CA6EEA1CF1A2}" destId="{C57D85CD-E75E-43DD-9F6C-5B262CCF4496}" srcOrd="0" destOrd="0" parTransId="{4383FBBB-B163-4153-AC7D-23C4EBEA1BB3}" sibTransId="{B14803A6-3BB7-413C-8730-86B3579E7CD7}"/>
-    <dgm:cxn modelId="{322FD3F6-807C-4A84-8337-838AF5E0E0E8}" srcId="{1E183334-C54B-4179-BDE4-1AD5A1D7828F}" destId="{31CBFDA0-901B-461F-98F8-4320B5FC2B3B}" srcOrd="3" destOrd="0" parTransId="{3A937DE6-5B5F-4FB1-A433-6FF79AB9680F}" sibTransId="{8F54B692-2BAD-4508-B961-697326DF9A63}"/>
-    <dgm:cxn modelId="{795C26F9-8CDA-4CDE-85A9-ED9E87DBA6C1}" type="presOf" srcId="{31CBFDA0-901B-461F-98F8-4320B5FC2B3B}" destId="{1B501C43-586E-4F77-A86C-02ABFB54F5BC}" srcOrd="0" destOrd="0" presId="urn:microsoft.com/office/officeart/2005/8/layout/vList2"/>
     <dgm:cxn modelId="{50A5FE3A-990B-4775-97A2-EE4790CE738F}" type="presParOf" srcId="{250558D6-BB3C-4C17-975F-4B0CCA647A95}" destId="{D87F901D-F362-4EEE-8870-A5642299A331}" srcOrd="0" destOrd="0" presId="urn:microsoft.com/office/officeart/2005/8/layout/vList2"/>
     <dgm:cxn modelId="{11C10DA6-F64F-4835-9C9B-E7D041E15F6F}" type="presParOf" srcId="{250558D6-BB3C-4C17-975F-4B0CCA647A95}" destId="{F83513A4-45D1-4265-8982-DBACEC5DD7BC}" srcOrd="1" destOrd="0" presId="urn:microsoft.com/office/officeart/2005/8/layout/vList2"/>
     <dgm:cxn modelId="{7BB4D59B-2649-412B-BCC7-679F05716C16}" type="presParOf" srcId="{250558D6-BB3C-4C17-975F-4B0CCA647A95}" destId="{A17CADE2-0C2F-46BB-BBE5-C7C6C39115D5}" srcOrd="2" destOrd="0" presId="urn:microsoft.com/office/officeart/2005/8/layout/vList2"/>
     <dgm:cxn modelId="{E4BCC635-3E6B-47B6-9F23-C04B9F162D0D}" type="presParOf" srcId="{250558D6-BB3C-4C17-975F-4B0CCA647A95}" destId="{89A7A788-35F9-4794-851F-729E02FAC605}" srcOrd="3" destOrd="0" presId="urn:microsoft.com/office/officeart/2005/8/layout/vList2"/>
-    <dgm:cxn modelId="{F40C381A-2BB0-4BCC-8F4C-16E9C6B6C4EA}" type="presParOf" srcId="{250558D6-BB3C-4C17-975F-4B0CCA647A95}" destId="{F4114F8A-AD66-4088-AEB4-4B2B144B7A2D}" srcOrd="4" destOrd="0" presId="urn:microsoft.com/office/officeart/2005/8/layout/vList2"/>
-    <dgm:cxn modelId="{5E60E75D-5ECD-435D-9061-9B687C68DB84}" type="presParOf" srcId="{250558D6-BB3C-4C17-975F-4B0CCA647A95}" destId="{7AB3A055-84A5-42AA-89CF-4B4AC1488F92}" srcOrd="5" destOrd="0" presId="urn:microsoft.com/office/officeart/2005/8/layout/vList2"/>
-    <dgm:cxn modelId="{A185819D-4604-40FD-96BC-01D373AB5E84}" type="presParOf" srcId="{250558D6-BB3C-4C17-975F-4B0CCA647A95}" destId="{1B501C43-586E-4F77-A86C-02ABFB54F5BC}" srcOrd="6" destOrd="0" presId="urn:microsoft.com/office/officeart/2005/8/layout/vList2"/>
   </dgm:cxnLst>
   <dgm:bg/>
   <dgm:whole/>
@@ -6846,8 +6661,8 @@
       </dsp:nvSpPr>
       <dsp:spPr>
         <a:xfrm>
-          <a:off x="0" y="146993"/>
-          <a:ext cx="6667500" cy="566280"/>
+          <a:off x="0" y="137723"/>
+          <a:ext cx="6667500" cy="772200"/>
         </a:xfrm>
         <a:prstGeom prst="roundRect">
           <a:avLst/>
@@ -6888,12 +6703,12 @@
         </a:fontRef>
       </dsp:style>
       <dsp:txBody>
-        <a:bodyPr spcFirstLastPara="0" vert="horz" wrap="square" lIns="83820" tIns="83820" rIns="83820" bIns="83820" numCol="1" spcCol="1270" anchor="ctr" anchorCtr="0">
+        <a:bodyPr spcFirstLastPara="0" vert="horz" wrap="square" lIns="114300" tIns="114300" rIns="114300" bIns="114300" numCol="1" spcCol="1270" anchor="ctr" anchorCtr="0">
           <a:noAutofit/>
         </a:bodyPr>
         <a:lstStyle/>
         <a:p>
-          <a:pPr marL="0" lvl="0" indent="0" algn="l" defTabSz="977900">
+          <a:pPr marL="0" lvl="0" indent="0" algn="l" defTabSz="1333500">
             <a:lnSpc>
               <a:spcPct val="90000"/>
             </a:lnSpc>
@@ -6906,15 +6721,15 @@
             <a:buNone/>
           </a:pPr>
           <a:r>
-            <a:rPr lang="en-US" sz="2200" kern="1200" baseline="0"/>
+            <a:rPr lang="en-US" sz="3000" kern="1200" baseline="0"/>
             <a:t>Bigger picture around IaC</a:t>
           </a:r>
-          <a:endParaRPr lang="en-GB" sz="2200" kern="1200"/>
+          <a:endParaRPr lang="en-GB" sz="3000" kern="1200"/>
         </a:p>
       </dsp:txBody>
       <dsp:txXfrm>
-        <a:off x="27644" y="174637"/>
-        <a:ext cx="6612212" cy="510992"/>
+        <a:off x="37696" y="175419"/>
+        <a:ext cx="6592108" cy="696808"/>
       </dsp:txXfrm>
     </dsp:sp>
     <dsp:sp modelId="{A17CADE2-0C2F-46BB-BBE5-C7C6C39115D5}">
@@ -6924,8 +6739,8 @@
       </dsp:nvSpPr>
       <dsp:spPr>
         <a:xfrm>
-          <a:off x="0" y="776633"/>
-          <a:ext cx="6667500" cy="566280"/>
+          <a:off x="0" y="996323"/>
+          <a:ext cx="6667500" cy="772200"/>
         </a:xfrm>
         <a:prstGeom prst="roundRect">
           <a:avLst/>
@@ -6966,12 +6781,12 @@
         </a:fontRef>
       </dsp:style>
       <dsp:txBody>
-        <a:bodyPr spcFirstLastPara="0" vert="horz" wrap="square" lIns="83820" tIns="83820" rIns="83820" bIns="83820" numCol="1" spcCol="1270" anchor="ctr" anchorCtr="0">
+        <a:bodyPr spcFirstLastPara="0" vert="horz" wrap="square" lIns="114300" tIns="114300" rIns="114300" bIns="114300" numCol="1" spcCol="1270" anchor="ctr" anchorCtr="0">
           <a:noAutofit/>
         </a:bodyPr>
         <a:lstStyle/>
         <a:p>
-          <a:pPr marL="0" lvl="0" indent="0" algn="l" defTabSz="977900">
+          <a:pPr marL="0" lvl="0" indent="0" algn="l" defTabSz="1333500">
             <a:lnSpc>
               <a:spcPct val="90000"/>
             </a:lnSpc>
@@ -6984,15 +6799,15 @@
             <a:buNone/>
           </a:pPr>
           <a:r>
-            <a:rPr lang="en-US" sz="2200" kern="1200" baseline="0"/>
+            <a:rPr lang="en-US" sz="3000" kern="1200" baseline="0"/>
             <a:t>Terraform </a:t>
           </a:r>
-          <a:endParaRPr lang="en-GB" sz="2200" kern="1200"/>
+          <a:endParaRPr lang="en-GB" sz="3000" kern="1200"/>
         </a:p>
       </dsp:txBody>
       <dsp:txXfrm>
-        <a:off x="27644" y="804277"/>
-        <a:ext cx="6612212" cy="510992"/>
+        <a:off x="37696" y="1034019"/>
+        <a:ext cx="6592108" cy="696808"/>
       </dsp:txXfrm>
     </dsp:sp>
     <dsp:sp modelId="{89A7A788-35F9-4794-851F-729E02FAC605}">
@@ -7002,8 +6817,8 @@
       </dsp:nvSpPr>
       <dsp:spPr>
         <a:xfrm>
-          <a:off x="0" y="1342913"/>
-          <a:ext cx="6667500" cy="2869020"/>
+          <a:off x="0" y="1768523"/>
+          <a:ext cx="6667500" cy="4222800"/>
         </a:xfrm>
         <a:prstGeom prst="rect">
           <a:avLst/>
@@ -7027,12 +6842,12 @@
         <a:fontRef idx="minor"/>
       </dsp:style>
       <dsp:txBody>
-        <a:bodyPr spcFirstLastPara="0" vert="horz" wrap="square" lIns="211693" tIns="27940" rIns="156464" bIns="27940" numCol="1" spcCol="1270" anchor="t" anchorCtr="0">
+        <a:bodyPr spcFirstLastPara="0" vert="horz" wrap="square" lIns="211693" tIns="38100" rIns="213360" bIns="38100" numCol="1" spcCol="1270" anchor="t" anchorCtr="0">
           <a:noAutofit/>
         </a:bodyPr>
         <a:lstStyle/>
         <a:p>
-          <a:pPr marL="171450" lvl="1" indent="-171450" algn="l" defTabSz="755650">
+          <a:pPr marL="228600" lvl="1" indent="-228600" algn="l" defTabSz="1022350">
             <a:lnSpc>
               <a:spcPct val="90000"/>
             </a:lnSpc>
@@ -7045,13 +6860,13 @@
             <a:buChar char="•"/>
           </a:pPr>
           <a:r>
-            <a:rPr lang="en-US" sz="1700" kern="1200" baseline="0" dirty="0"/>
+            <a:rPr lang="en-US" sz="2300" kern="1200" baseline="0" dirty="0"/>
             <a:t>Core Workflow</a:t>
           </a:r>
-          <a:endParaRPr lang="en-GB" sz="1700" kern="1200" dirty="0"/>
+          <a:endParaRPr lang="en-GB" sz="2300" kern="1200" dirty="0"/>
         </a:p>
         <a:p>
-          <a:pPr marL="171450" lvl="1" indent="-171450" algn="l" defTabSz="755650">
+          <a:pPr marL="228600" lvl="1" indent="-228600" algn="l" defTabSz="1022350">
             <a:lnSpc>
               <a:spcPct val="90000"/>
             </a:lnSpc>
@@ -7064,13 +6879,13 @@
             <a:buChar char="•"/>
           </a:pPr>
           <a:r>
-            <a:rPr lang="en-US" sz="1700" kern="1200" baseline="0"/>
+            <a:rPr lang="en-US" sz="2300" kern="1200" baseline="0"/>
             <a:t>Config Options, Expressions, Functions</a:t>
           </a:r>
-          <a:endParaRPr lang="en-GB" sz="1700" kern="1200"/>
+          <a:endParaRPr lang="en-GB" sz="2300" kern="1200"/>
         </a:p>
         <a:p>
-          <a:pPr marL="171450" lvl="1" indent="-171450" algn="l" defTabSz="755650">
+          <a:pPr marL="228600" lvl="1" indent="-228600" algn="l" defTabSz="1022350">
             <a:lnSpc>
               <a:spcPct val="90000"/>
             </a:lnSpc>
@@ -7083,13 +6898,13 @@
             <a:buChar char="•"/>
           </a:pPr>
           <a:r>
-            <a:rPr lang="en-US" sz="1700" kern="1200" baseline="0"/>
+            <a:rPr lang="en-US" sz="2300" kern="1200" baseline="0"/>
             <a:t>Dependency Management and Imports</a:t>
           </a:r>
-          <a:endParaRPr lang="en-GB" sz="1700" kern="1200"/>
+          <a:endParaRPr lang="en-GB" sz="2300" kern="1200"/>
         </a:p>
         <a:p>
-          <a:pPr marL="171450" lvl="1" indent="-171450" algn="l" defTabSz="755650">
+          <a:pPr marL="228600" lvl="1" indent="-228600" algn="l" defTabSz="1022350">
             <a:lnSpc>
               <a:spcPct val="90000"/>
             </a:lnSpc>
@@ -7102,13 +6917,13 @@
             <a:buChar char="•"/>
           </a:pPr>
           <a:r>
-            <a:rPr lang="en-US" sz="1700" kern="1200" baseline="0"/>
+            <a:rPr lang="en-US" sz="2300" kern="1200" baseline="0"/>
             <a:t>Local and Remote Modules</a:t>
           </a:r>
-          <a:endParaRPr lang="en-GB" sz="1700" kern="1200"/>
+          <a:endParaRPr lang="en-GB" sz="2300" kern="1200"/>
         </a:p>
         <a:p>
-          <a:pPr marL="171450" lvl="1" indent="-171450" algn="l" defTabSz="755650">
+          <a:pPr marL="228600" lvl="1" indent="-228600" algn="l" defTabSz="1022350">
             <a:lnSpc>
               <a:spcPct val="90000"/>
             </a:lnSpc>
@@ -7121,13 +6936,13 @@
             <a:buChar char="•"/>
           </a:pPr>
           <a:r>
-            <a:rPr lang="en-US" sz="1700" kern="1200" baseline="0"/>
+            <a:rPr lang="en-US" sz="2300" kern="1200" baseline="0"/>
             <a:t>State Management</a:t>
           </a:r>
-          <a:endParaRPr lang="en-GB" sz="1700" kern="1200"/>
+          <a:endParaRPr lang="en-GB" sz="2300" kern="1200"/>
         </a:p>
         <a:p>
-          <a:pPr marL="342900" lvl="2" indent="-171450" algn="l" defTabSz="755650">
+          <a:pPr marL="457200" lvl="2" indent="-228600" algn="l" defTabSz="1022350">
             <a:lnSpc>
               <a:spcPct val="90000"/>
             </a:lnSpc>
@@ -7140,13 +6955,13 @@
             <a:buChar char="•"/>
           </a:pPr>
           <a:r>
-            <a:rPr lang="en-US" sz="1700" kern="1200" baseline="0"/>
+            <a:rPr lang="en-US" sz="2300" kern="1200" baseline="0"/>
             <a:t>Remote State Management using Azure Blob Storage</a:t>
           </a:r>
-          <a:endParaRPr lang="en-GB" sz="1700" kern="1200"/>
+          <a:endParaRPr lang="en-GB" sz="2300" kern="1200"/>
         </a:p>
         <a:p>
-          <a:pPr marL="171450" lvl="1" indent="-171450" algn="l" defTabSz="755650">
+          <a:pPr marL="228600" lvl="1" indent="-228600" algn="l" defTabSz="1022350">
             <a:lnSpc>
               <a:spcPct val="90000"/>
             </a:lnSpc>
@@ -7159,13 +6974,13 @@
             <a:buChar char="•"/>
           </a:pPr>
           <a:r>
-            <a:rPr lang="en-US" sz="1700" kern="1200" baseline="0"/>
+            <a:rPr lang="en-US" sz="2300" kern="1200" baseline="0"/>
             <a:t>Niche Topics</a:t>
           </a:r>
-          <a:endParaRPr lang="en-GB" sz="1700" kern="1200"/>
+          <a:endParaRPr lang="en-GB" sz="2300" kern="1200"/>
         </a:p>
         <a:p>
-          <a:pPr marL="342900" lvl="2" indent="-171450" algn="l" defTabSz="755650">
+          <a:pPr marL="457200" lvl="2" indent="-228600" algn="l" defTabSz="1022350">
             <a:lnSpc>
               <a:spcPct val="90000"/>
             </a:lnSpc>
@@ -7178,13 +6993,13 @@
             <a:buChar char="•"/>
           </a:pPr>
           <a:r>
-            <a:rPr lang="en-US" sz="1700" kern="1200" baseline="0"/>
+            <a:rPr lang="en-US" sz="2300" kern="1200" baseline="0"/>
             <a:t>Workspaces and Provisioners</a:t>
           </a:r>
-          <a:endParaRPr lang="en-GB" sz="1700" kern="1200"/>
+          <a:endParaRPr lang="en-GB" sz="2300" kern="1200"/>
         </a:p>
         <a:p>
-          <a:pPr marL="171450" lvl="1" indent="-171450" algn="l" defTabSz="755650">
+          <a:pPr marL="228600" lvl="1" indent="-228600" algn="l" defTabSz="1022350">
             <a:lnSpc>
               <a:spcPct val="90000"/>
             </a:lnSpc>
@@ -7197,251 +7012,15 @@
             <a:buChar char="•"/>
           </a:pPr>
           <a:r>
-            <a:rPr lang="en-US" sz="1700" kern="1200" baseline="0"/>
+            <a:rPr lang="en-US" sz="2300" kern="1200" baseline="0"/>
             <a:t>DevOps with Terraform</a:t>
           </a:r>
-          <a:endParaRPr lang="en-GB" sz="1700" kern="1200"/>
+          <a:endParaRPr lang="en-GB" sz="2300" kern="1200"/>
         </a:p>
       </dsp:txBody>
       <dsp:txXfrm>
-        <a:off x="0" y="1342913"/>
-        <a:ext cx="6667500" cy="2869020"/>
-      </dsp:txXfrm>
-    </dsp:sp>
-    <dsp:sp modelId="{F4114F8A-AD66-4088-AEB4-4B2B144B7A2D}">
-      <dsp:nvSpPr>
-        <dsp:cNvPr id="0" name=""/>
-        <dsp:cNvSpPr/>
-      </dsp:nvSpPr>
-      <dsp:spPr>
-        <a:xfrm>
-          <a:off x="0" y="4211934"/>
-          <a:ext cx="6667500" cy="566280"/>
-        </a:xfrm>
-        <a:prstGeom prst="roundRect">
-          <a:avLst/>
-        </a:prstGeom>
-        <a:solidFill>
-          <a:schemeClr val="accent1">
-            <a:hueOff val="0"/>
-            <a:satOff val="0"/>
-            <a:lumOff val="0"/>
-            <a:alphaOff val="0"/>
-          </a:schemeClr>
-        </a:solidFill>
-        <a:ln w="10795" cap="flat" cmpd="sng" algn="ctr">
-          <a:solidFill>
-            <a:schemeClr val="lt1">
-              <a:hueOff val="0"/>
-              <a:satOff val="0"/>
-              <a:lumOff val="0"/>
-              <a:alphaOff val="0"/>
-            </a:schemeClr>
-          </a:solidFill>
-          <a:prstDash val="solid"/>
-        </a:ln>
-        <a:effectLst/>
-      </dsp:spPr>
-      <dsp:style>
-        <a:lnRef idx="2">
-          <a:scrgbClr r="0" g="0" b="0"/>
-        </a:lnRef>
-        <a:fillRef idx="1">
-          <a:scrgbClr r="0" g="0" b="0"/>
-        </a:fillRef>
-        <a:effectRef idx="0">
-          <a:scrgbClr r="0" g="0" b="0"/>
-        </a:effectRef>
-        <a:fontRef idx="minor">
-          <a:schemeClr val="lt1"/>
-        </a:fontRef>
-      </dsp:style>
-      <dsp:txBody>
-        <a:bodyPr spcFirstLastPara="0" vert="horz" wrap="square" lIns="83820" tIns="83820" rIns="83820" bIns="83820" numCol="1" spcCol="1270" anchor="ctr" anchorCtr="0">
-          <a:noAutofit/>
-        </a:bodyPr>
-        <a:lstStyle/>
-        <a:p>
-          <a:pPr marL="0" lvl="0" indent="0" algn="l" defTabSz="977900">
-            <a:lnSpc>
-              <a:spcPct val="90000"/>
-            </a:lnSpc>
-            <a:spcBef>
-              <a:spcPct val="0"/>
-            </a:spcBef>
-            <a:spcAft>
-              <a:spcPct val="35000"/>
-            </a:spcAft>
-            <a:buNone/>
-          </a:pPr>
-          <a:r>
-            <a:rPr lang="en-US" sz="2200" kern="1200" baseline="0"/>
-            <a:t>Infrastructure Patterns</a:t>
-          </a:r>
-          <a:endParaRPr lang="en-GB" sz="2200" kern="1200"/>
-        </a:p>
-      </dsp:txBody>
-      <dsp:txXfrm>
-        <a:off x="27644" y="4239578"/>
-        <a:ext cx="6612212" cy="510992"/>
-      </dsp:txXfrm>
-    </dsp:sp>
-    <dsp:sp modelId="{7AB3A055-84A5-42AA-89CF-4B4AC1488F92}">
-      <dsp:nvSpPr>
-        <dsp:cNvPr id="0" name=""/>
-        <dsp:cNvSpPr/>
-      </dsp:nvSpPr>
-      <dsp:spPr>
-        <a:xfrm>
-          <a:off x="0" y="4778214"/>
-          <a:ext cx="6667500" cy="637560"/>
-        </a:xfrm>
-        <a:prstGeom prst="rect">
-          <a:avLst/>
-        </a:prstGeom>
-        <a:noFill/>
-        <a:ln>
-          <a:noFill/>
-        </a:ln>
-        <a:effectLst/>
-      </dsp:spPr>
-      <dsp:style>
-        <a:lnRef idx="0">
-          <a:scrgbClr r="0" g="0" b="0"/>
-        </a:lnRef>
-        <a:fillRef idx="0">
-          <a:scrgbClr r="0" g="0" b="0"/>
-        </a:fillRef>
-        <a:effectRef idx="0">
-          <a:scrgbClr r="0" g="0" b="0"/>
-        </a:effectRef>
-        <a:fontRef idx="minor"/>
-      </dsp:style>
-      <dsp:txBody>
-        <a:bodyPr spcFirstLastPara="0" vert="horz" wrap="square" lIns="211693" tIns="27940" rIns="156464" bIns="27940" numCol="1" spcCol="1270" anchor="t" anchorCtr="0">
-          <a:noAutofit/>
-        </a:bodyPr>
-        <a:lstStyle/>
-        <a:p>
-          <a:pPr marL="171450" lvl="1" indent="-171450" algn="l" defTabSz="755650">
-            <a:lnSpc>
-              <a:spcPct val="90000"/>
-            </a:lnSpc>
-            <a:spcBef>
-              <a:spcPct val="0"/>
-            </a:spcBef>
-            <a:spcAft>
-              <a:spcPct val="20000"/>
-            </a:spcAft>
-            <a:buChar char="•"/>
-          </a:pPr>
-          <a:r>
-            <a:rPr lang="en-US" sz="1700" kern="1200" baseline="0" dirty="0"/>
-            <a:t>Mutable vs Immutable Infrastructure</a:t>
-          </a:r>
-          <a:endParaRPr lang="en-GB" sz="1700" kern="1200" dirty="0"/>
-        </a:p>
-        <a:p>
-          <a:pPr marL="171450" lvl="1" indent="-171450" algn="l" defTabSz="755650">
-            <a:lnSpc>
-              <a:spcPct val="90000"/>
-            </a:lnSpc>
-            <a:spcBef>
-              <a:spcPct val="0"/>
-            </a:spcBef>
-            <a:spcAft>
-              <a:spcPct val="20000"/>
-            </a:spcAft>
-            <a:buChar char="•"/>
-          </a:pPr>
-          <a:r>
-            <a:rPr lang="en-US" sz="1700" kern="1200" baseline="0" dirty="0"/>
-            <a:t>Provisioning vs Config Management	</a:t>
-          </a:r>
-          <a:endParaRPr lang="en-GB" sz="1700" kern="1200" dirty="0"/>
-        </a:p>
-      </dsp:txBody>
-      <dsp:txXfrm>
-        <a:off x="0" y="4778214"/>
-        <a:ext cx="6667500" cy="637560"/>
-      </dsp:txXfrm>
-    </dsp:sp>
-    <dsp:sp modelId="{1B501C43-586E-4F77-A86C-02ABFB54F5BC}">
-      <dsp:nvSpPr>
-        <dsp:cNvPr id="0" name=""/>
-        <dsp:cNvSpPr/>
-      </dsp:nvSpPr>
-      <dsp:spPr>
-        <a:xfrm>
-          <a:off x="0" y="5415774"/>
-          <a:ext cx="6667500" cy="566280"/>
-        </a:xfrm>
-        <a:prstGeom prst="roundRect">
-          <a:avLst/>
-        </a:prstGeom>
-        <a:solidFill>
-          <a:schemeClr val="accent1">
-            <a:hueOff val="0"/>
-            <a:satOff val="0"/>
-            <a:lumOff val="0"/>
-            <a:alphaOff val="0"/>
-          </a:schemeClr>
-        </a:solidFill>
-        <a:ln w="10795" cap="flat" cmpd="sng" algn="ctr">
-          <a:solidFill>
-            <a:schemeClr val="lt1">
-              <a:hueOff val="0"/>
-              <a:satOff val="0"/>
-              <a:lumOff val="0"/>
-              <a:alphaOff val="0"/>
-            </a:schemeClr>
-          </a:solidFill>
-          <a:prstDash val="solid"/>
-        </a:ln>
-        <a:effectLst/>
-      </dsp:spPr>
-      <dsp:style>
-        <a:lnRef idx="2">
-          <a:scrgbClr r="0" g="0" b="0"/>
-        </a:lnRef>
-        <a:fillRef idx="1">
-          <a:scrgbClr r="0" g="0" b="0"/>
-        </a:fillRef>
-        <a:effectRef idx="0">
-          <a:scrgbClr r="0" g="0" b="0"/>
-        </a:effectRef>
-        <a:fontRef idx="minor">
-          <a:schemeClr val="lt1"/>
-        </a:fontRef>
-      </dsp:style>
-      <dsp:txBody>
-        <a:bodyPr spcFirstLastPara="0" vert="horz" wrap="square" lIns="83820" tIns="83820" rIns="83820" bIns="83820" numCol="1" spcCol="1270" anchor="ctr" anchorCtr="0">
-          <a:noAutofit/>
-        </a:bodyPr>
-        <a:lstStyle/>
-        <a:p>
-          <a:pPr marL="0" lvl="0" indent="0" algn="l" defTabSz="977900">
-            <a:lnSpc>
-              <a:spcPct val="90000"/>
-            </a:lnSpc>
-            <a:spcBef>
-              <a:spcPct val="0"/>
-            </a:spcBef>
-            <a:spcAft>
-              <a:spcPct val="35000"/>
-            </a:spcAft>
-            <a:buNone/>
-          </a:pPr>
-          <a:r>
-            <a:rPr lang="en-US" sz="2200" kern="1200" baseline="0"/>
-            <a:t>Ansible Essentials</a:t>
-          </a:r>
-          <a:endParaRPr lang="en-GB" sz="2200" kern="1200"/>
-        </a:p>
-      </dsp:txBody>
-      <dsp:txXfrm>
-        <a:off x="27644" y="5443418"/>
-        <a:ext cx="6612212" cy="510992"/>
+        <a:off x="0" y="1768523"/>
+        <a:ext cx="6667500" cy="4222800"/>
       </dsp:txXfrm>
     </dsp:sp>
   </dsp:spTree>
@@ -14718,7 +14297,7 @@
               <a:rPr lang="en-US" smtClean="0">
                 <a:latin typeface="Segoe UI" pitchFamily="34" charset="0"/>
               </a:rPr>
-              <a:t>5/7/2021 9:40 AM</a:t>
+              <a:t>1/4/2023 9:06 AM</a:t>
             </a:fld>
             <a:endParaRPr lang="en-US" dirty="0">
               <a:latin typeface="Segoe UI" pitchFamily="34" charset="0"/>
@@ -14996,7 +14575,7 @@
           <a:p>
             <a:fld id="{386CE63F-9E7F-4C04-9D0D-FCA25A8E9E86}" type="datetime8">
               <a:rPr lang="en-US" smtClean="0"/>
-              <a:t>5/7/2021 9:39 AM</a:t>
+              <a:t>1/4/2023 9:06 AM</a:t>
             </a:fld>
             <a:endParaRPr lang="en-US" dirty="0"/>
           </a:p>
@@ -15363,7 +14942,7 @@
           <a:p>
             <a:fld id="{321E5A7B-BB8D-4368-A182-109669521632}" type="datetime8">
               <a:rPr lang="en-US" smtClean="0"/>
-              <a:t>5/7/2021 9:39 AM</a:t>
+              <a:t>1/4/2023 9:06 AM</a:t>
             </a:fld>
             <a:endParaRPr lang="en-US" dirty="0"/>
           </a:p>
@@ -15544,7 +15123,7 @@
           <a:p>
             <a:fld id="{386CE63F-9E7F-4C04-9D0D-FCA25A8E9E86}" type="datetime8">
               <a:rPr lang="en-US" smtClean="0"/>
-              <a:t>5/7/2021 9:39 AM</a:t>
+              <a:t>1/4/2023 9:06 AM</a:t>
             </a:fld>
             <a:endParaRPr lang="en-US" dirty="0"/>
           </a:p>
@@ -15731,7 +15310,7 @@
           <a:p>
             <a:fld id="{386CE63F-9E7F-4C04-9D0D-FCA25A8E9E86}" type="datetime8">
               <a:rPr lang="en-US" smtClean="0"/>
-              <a:t>5/7/2021 9:39 AM</a:t>
+              <a:t>1/4/2023 9:06 AM</a:t>
             </a:fld>
             <a:endParaRPr lang="en-US" dirty="0"/>
           </a:p>
@@ -15918,7 +15497,7 @@
           <a:p>
             <a:fld id="{386CE63F-9E7F-4C04-9D0D-FCA25A8E9E86}" type="datetime8">
               <a:rPr lang="en-US" smtClean="0"/>
-              <a:t>5/7/2021 9:39 AM</a:t>
+              <a:t>1/4/2023 9:06 AM</a:t>
             </a:fld>
             <a:endParaRPr lang="en-US" dirty="0"/>
           </a:p>
@@ -16099,7 +15678,7 @@
           <a:p>
             <a:fld id="{386CE63F-9E7F-4C04-9D0D-FCA25A8E9E86}" type="datetime8">
               <a:rPr lang="en-US" smtClean="0"/>
-              <a:t>5/7/2021 9:39 AM</a:t>
+              <a:t>1/4/2023 9:06 AM</a:t>
             </a:fld>
             <a:endParaRPr lang="en-US" dirty="0"/>
           </a:p>
@@ -16280,7 +15859,7 @@
           <a:p>
             <a:fld id="{386CE63F-9E7F-4C04-9D0D-FCA25A8E9E86}" type="datetime8">
               <a:rPr lang="en-US" smtClean="0"/>
-              <a:t>5/7/2021 9:39 AM</a:t>
+              <a:t>1/4/2023 9:06 AM</a:t>
             </a:fld>
             <a:endParaRPr lang="en-US" dirty="0"/>
           </a:p>
@@ -16484,7 +16063,7 @@
           <a:p>
             <a:fld id="{386CE63F-9E7F-4C04-9D0D-FCA25A8E9E86}" type="datetime8">
               <a:rPr lang="en-US" smtClean="0"/>
-              <a:t>5/7/2021 9:39 AM</a:t>
+              <a:t>1/4/2023 9:06 AM</a:t>
             </a:fld>
             <a:endParaRPr lang="en-US" dirty="0"/>
           </a:p>
@@ -16665,7 +16244,7 @@
           <a:p>
             <a:fld id="{386CE63F-9E7F-4C04-9D0D-FCA25A8E9E86}" type="datetime8">
               <a:rPr lang="en-US" smtClean="0"/>
-              <a:t>5/7/2021 9:39 AM</a:t>
+              <a:t>1/4/2023 9:06 AM</a:t>
             </a:fld>
             <a:endParaRPr lang="en-US" dirty="0"/>
           </a:p>
@@ -16830,7 +16409,7 @@
           <a:p>
             <a:fld id="{9427A7F7-BB1E-479D-AFAA-B52F4D0C99F2}" type="datetime8">
               <a:rPr lang="en-US" smtClean="0"/>
-              <a:t>5/7/2021 9:39 AM</a:t>
+              <a:t>1/4/2023 9:06 AM</a:t>
             </a:fld>
             <a:endParaRPr lang="en-US" dirty="0"/>
           </a:p>
@@ -16980,7 +16559,7 @@
                   <a:prstClr val="black"/>
                 </a:solidFill>
               </a:rPr>
-              <a:t>5/7/2021 9:39 AM</a:t>
+              <a:t>1/4/2023 9:06 AM</a:t>
             </a:fld>
             <a:endParaRPr lang="en-US" dirty="0">
               <a:solidFill>
@@ -17215,7 +16794,7 @@
           <a:p>
             <a:fld id="{386CE63F-9E7F-4C04-9D0D-FCA25A8E9E86}" type="datetime8">
               <a:rPr lang="en-US" smtClean="0"/>
-              <a:t>5/7/2021 9:39 AM</a:t>
+              <a:t>1/4/2023 9:06 AM</a:t>
             </a:fld>
             <a:endParaRPr lang="en-US" dirty="0"/>
           </a:p>
@@ -17457,7 +17036,7 @@
           <a:p>
             <a:fld id="{386CE63F-9E7F-4C04-9D0D-FCA25A8E9E86}" type="datetime8">
               <a:rPr lang="en-US" smtClean="0"/>
-              <a:t>5/7/2021 9:39 AM</a:t>
+              <a:t>1/4/2023 9:06 AM</a:t>
             </a:fld>
             <a:endParaRPr lang="en-US" dirty="0"/>
           </a:p>
@@ -17677,7 +17256,7 @@
           <a:p>
             <a:fld id="{386CE63F-9E7F-4C04-9D0D-FCA25A8E9E86}" type="datetime8">
               <a:rPr lang="en-US" smtClean="0"/>
-              <a:t>5/7/2021 9:39 AM</a:t>
+              <a:t>1/4/2023 9:06 AM</a:t>
             </a:fld>
             <a:endParaRPr lang="en-US" dirty="0"/>
           </a:p>
@@ -17890,7 +17469,7 @@
           <a:p>
             <a:fld id="{386CE63F-9E7F-4C04-9D0D-FCA25A8E9E86}" type="datetime8">
               <a:rPr lang="en-US" smtClean="0"/>
-              <a:t>5/7/2021 9:39 AM</a:t>
+              <a:t>1/4/2023 9:06 AM</a:t>
             </a:fld>
             <a:endParaRPr lang="en-US" dirty="0"/>
           </a:p>
@@ -18083,7 +17662,7 @@
           <a:p>
             <a:fld id="{386CE63F-9E7F-4C04-9D0D-FCA25A8E9E86}" type="datetime8">
               <a:rPr lang="en-US" smtClean="0"/>
-              <a:t>5/7/2021 9:39 AM</a:t>
+              <a:t>1/4/2023 9:06 AM</a:t>
             </a:fld>
             <a:endParaRPr lang="en-US" dirty="0"/>
           </a:p>
@@ -18270,7 +17849,7 @@
           <a:p>
             <a:fld id="{386CE63F-9E7F-4C04-9D0D-FCA25A8E9E86}" type="datetime8">
               <a:rPr lang="en-US" smtClean="0"/>
-              <a:t>5/7/2021 9:39 AM</a:t>
+              <a:t>1/4/2023 9:06 AM</a:t>
             </a:fld>
             <a:endParaRPr lang="en-US" dirty="0"/>
           </a:p>
@@ -18451,7 +18030,7 @@
           <a:p>
             <a:fld id="{386CE63F-9E7F-4C04-9D0D-FCA25A8E9E86}" type="datetime8">
               <a:rPr lang="en-US" smtClean="0"/>
-              <a:t>5/7/2021 9:52 AM</a:t>
+              <a:t>1/4/2023 9:06 AM</a:t>
             </a:fld>
             <a:endParaRPr lang="en-US" dirty="0"/>
           </a:p>
@@ -30804,7 +30383,13 @@
             </a:extLst>
           </p:cNvPr>
           <p:cNvGraphicFramePr/>
-          <p:nvPr/>
+          <p:nvPr>
+            <p:extLst>
+              <p:ext uri="{D42A27DB-BD31-4B8C-83A1-F6EECF244321}">
+                <p14:modId xmlns:p14="http://schemas.microsoft.com/office/powerpoint/2010/main" val="2326693026"/>
+              </p:ext>
+            </p:extLst>
+          </p:nvPr>
         </p:nvGraphicFramePr>
         <p:xfrm>
           <a:off x="4936237" y="364476"/>
@@ -31006,189 +30591,6 @@
                                           <p:spTgt spid="6">
                                             <p:graphicEl>
                                               <a:dgm id="{89A7A788-35F9-4794-851F-729E02FAC605}"/>
-                                            </p:graphicEl>
-                                          </p:spTgt>
-                                        </p:tgtEl>
-                                      </p:cBhvr>
-                                    </p:animEffect>
-                                  </p:childTnLst>
-                                </p:cTn>
-                              </p:par>
-                            </p:childTnLst>
-                          </p:cTn>
-                        </p:par>
-                      </p:childTnLst>
-                    </p:cTn>
-                  </p:par>
-                  <p:par>
-                    <p:cTn id="18" fill="hold">
-                      <p:stCondLst>
-                        <p:cond delay="indefinite"/>
-                      </p:stCondLst>
-                      <p:childTnLst>
-                        <p:par>
-                          <p:cTn id="19" fill="hold">
-                            <p:stCondLst>
-                              <p:cond delay="0"/>
-                            </p:stCondLst>
-                            <p:childTnLst>
-                              <p:par>
-                                <p:cTn id="20" presetID="10" presetClass="entr" presetSubtype="0" fill="hold" grpId="0" nodeType="clickEffect">
-                                  <p:stCondLst>
-                                    <p:cond delay="0"/>
-                                  </p:stCondLst>
-                                  <p:childTnLst>
-                                    <p:set>
-                                      <p:cBhvr>
-                                        <p:cTn id="21" dur="1" fill="hold">
-                                          <p:stCondLst>
-                                            <p:cond delay="0"/>
-                                          </p:stCondLst>
-                                        </p:cTn>
-                                        <p:tgtEl>
-                                          <p:spTgt spid="6">
-                                            <p:graphicEl>
-                                              <a:dgm id="{F4114F8A-AD66-4088-AEB4-4B2B144B7A2D}"/>
-                                            </p:graphicEl>
-                                          </p:spTgt>
-                                        </p:tgtEl>
-                                        <p:attrNameLst>
-                                          <p:attrName>style.visibility</p:attrName>
-                                        </p:attrNameLst>
-                                      </p:cBhvr>
-                                      <p:to>
-                                        <p:strVal val="visible"/>
-                                      </p:to>
-                                    </p:set>
-                                    <p:animEffect transition="in" filter="fade">
-                                      <p:cBhvr>
-                                        <p:cTn id="22" dur="500"/>
-                                        <p:tgtEl>
-                                          <p:spTgt spid="6">
-                                            <p:graphicEl>
-                                              <a:dgm id="{F4114F8A-AD66-4088-AEB4-4B2B144B7A2D}"/>
-                                            </p:graphicEl>
-                                          </p:spTgt>
-                                        </p:tgtEl>
-                                      </p:cBhvr>
-                                    </p:animEffect>
-                                  </p:childTnLst>
-                                </p:cTn>
-                              </p:par>
-                            </p:childTnLst>
-                          </p:cTn>
-                        </p:par>
-                      </p:childTnLst>
-                    </p:cTn>
-                  </p:par>
-                  <p:par>
-                    <p:cTn id="23" fill="hold">
-                      <p:stCondLst>
-                        <p:cond delay="indefinite"/>
-                      </p:stCondLst>
-                      <p:childTnLst>
-                        <p:par>
-                          <p:cTn id="24" fill="hold">
-                            <p:stCondLst>
-                              <p:cond delay="0"/>
-                            </p:stCondLst>
-                            <p:childTnLst>
-                              <p:par>
-                                <p:cTn id="25" presetID="10" presetClass="entr" presetSubtype="0" fill="hold" grpId="0" nodeType="clickEffect">
-                                  <p:stCondLst>
-                                    <p:cond delay="0"/>
-                                  </p:stCondLst>
-                                  <p:childTnLst>
-                                    <p:set>
-                                      <p:cBhvr>
-                                        <p:cTn id="26" dur="1" fill="hold">
-                                          <p:stCondLst>
-                                            <p:cond delay="0"/>
-                                          </p:stCondLst>
-                                        </p:cTn>
-                                        <p:tgtEl>
-                                          <p:spTgt spid="6">
-                                            <p:graphicEl>
-                                              <a:dgm id="{7AB3A055-84A5-42AA-89CF-4B4AC1488F92}"/>
-                                            </p:graphicEl>
-                                          </p:spTgt>
-                                        </p:tgtEl>
-                                        <p:attrNameLst>
-                                          <p:attrName>style.visibility</p:attrName>
-                                        </p:attrNameLst>
-                                      </p:cBhvr>
-                                      <p:to>
-                                        <p:strVal val="visible"/>
-                                      </p:to>
-                                    </p:set>
-                                    <p:animEffect transition="in" filter="fade">
-                                      <p:cBhvr>
-                                        <p:cTn id="27" dur="500"/>
-                                        <p:tgtEl>
-                                          <p:spTgt spid="6">
-                                            <p:graphicEl>
-                                              <a:dgm id="{7AB3A055-84A5-42AA-89CF-4B4AC1488F92}"/>
-                                            </p:graphicEl>
-                                          </p:spTgt>
-                                        </p:tgtEl>
-                                      </p:cBhvr>
-                                    </p:animEffect>
-                                  </p:childTnLst>
-                                </p:cTn>
-                              </p:par>
-                            </p:childTnLst>
-                          </p:cTn>
-                        </p:par>
-                      </p:childTnLst>
-                    </p:cTn>
-                  </p:par>
-                  <p:par>
-                    <p:cTn id="28" fill="hold">
-                      <p:stCondLst>
-                        <p:cond delay="indefinite"/>
-                      </p:stCondLst>
-                      <p:childTnLst>
-                        <p:par>
-                          <p:cTn id="29" fill="hold">
-                            <p:stCondLst>
-                              <p:cond delay="0"/>
-                            </p:stCondLst>
-                            <p:childTnLst>
-                              <p:par>
-                                <p:cTn id="30" presetID="10" presetClass="entr" presetSubtype="0" fill="hold" grpId="0" nodeType="clickEffect">
-                                  <p:stCondLst>
-                                    <p:cond delay="0"/>
-                                  </p:stCondLst>
-                                  <p:childTnLst>
-                                    <p:set>
-                                      <p:cBhvr>
-                                        <p:cTn id="31" dur="1" fill="hold">
-                                          <p:stCondLst>
-                                            <p:cond delay="0"/>
-                                          </p:stCondLst>
-                                        </p:cTn>
-                                        <p:tgtEl>
-                                          <p:spTgt spid="6">
-                                            <p:graphicEl>
-                                              <a:dgm id="{1B501C43-586E-4F77-A86C-02ABFB54F5BC}"/>
-                                            </p:graphicEl>
-                                          </p:spTgt>
-                                        </p:tgtEl>
-                                        <p:attrNameLst>
-                                          <p:attrName>style.visibility</p:attrName>
-                                        </p:attrNameLst>
-                                      </p:cBhvr>
-                                      <p:to>
-                                        <p:strVal val="visible"/>
-                                      </p:to>
-                                    </p:set>
-                                    <p:animEffect transition="in" filter="fade">
-                                      <p:cBhvr>
-                                        <p:cTn id="32" dur="500"/>
-                                        <p:tgtEl>
-                                          <p:spTgt spid="6">
-                                            <p:graphicEl>
-                                              <a:dgm id="{1B501C43-586E-4F77-A86C-02ABFB54F5BC}"/>
                                             </p:graphicEl>
                                           </p:spTgt>
                                         </p:tgtEl>
@@ -33271,7 +32673,7 @@
 </file>
 
 <file path=ppt/slides/slide9.xml><?xml version="1.0" encoding="utf-8"?>
-<p:sld xmlns:a="http://schemas.openxmlformats.org/drawingml/2006/main" xmlns:r="http://schemas.openxmlformats.org/officeDocument/2006/relationships" xmlns:p="http://schemas.openxmlformats.org/presentationml/2006/main">
+<p:sld xmlns:a="http://schemas.openxmlformats.org/drawingml/2006/main" xmlns:r="http://schemas.openxmlformats.org/officeDocument/2006/relationships" xmlns:p="http://schemas.openxmlformats.org/presentationml/2006/main" show="0">
   <p:cSld>
     <p:spTree>
       <p:nvGrpSpPr>
@@ -34314,30 +33716,6 @@
 </file>
 
 <file path=customXml/item1.xml><?xml version="1.0" encoding="utf-8"?>
-<p:properties xmlns:p="http://schemas.microsoft.com/office/2006/metadata/properties" xmlns:pc="http://schemas.microsoft.com/office/infopath/2007/PartnerControls" xmlns:xsi="http://www.w3.org/2001/XMLSchema-instance">
-  <documentManagement>
-    <SharedWithUsers xmlns="53207a91-4873-4278-88cd-3a5c1985bff7">
-      <UserInfo>
-        <DisplayName/>
-        <AccountId xsi:nil="true"/>
-        <AccountType/>
-      </UserInfo>
-    </SharedWithUsers>
-    <SharedWithDetails xmlns="53207a91-4873-4278-88cd-3a5c1985bff7" xsi:nil="true"/>
-  </documentManagement>
-</p:properties>
-</file>
-
-<file path=customXml/item2.xml><?xml version="1.0" encoding="utf-8"?>
-<?mso-contentType ?>
-<FormTemplates xmlns="http://schemas.microsoft.com/sharepoint/v3/contenttype/forms">
-  <Display>DocumentLibraryForm</Display>
-  <Edit>DocumentLibraryForm</Edit>
-  <New>DocumentLibraryForm</New>
-</FormTemplates>
-</file>
-
-<file path=customXml/item3.xml><?xml version="1.0" encoding="utf-8"?>
 <ct:contentTypeSchema xmlns:ct="http://schemas.microsoft.com/office/2006/metadata/contentType" xmlns:ma="http://schemas.microsoft.com/office/2006/metadata/properties/metaAttributes" ct:_="" ma:_="" ma:contentTypeName="Document" ma:contentTypeID="0x010100581AC3C96BC25B49BAADFDD2709736A2" ma:contentTypeVersion="13" ma:contentTypeDescription="Create a new document." ma:contentTypeScope="" ma:versionID="46d05e5ad3e10e23d0d91d2c812a342c">
   <xsd:schema xmlns:xsd="http://www.w3.org/2001/XMLSchema" xmlns:xs="http://www.w3.org/2001/XMLSchema" xmlns:p="http://schemas.microsoft.com/office/2006/metadata/properties" xmlns:ns3="61d4b2b7-c11c-4679-a498-c69870ddf3ad" xmlns:ns4="53207a91-4873-4278-88cd-3a5c1985bff7" targetNamespace="http://schemas.microsoft.com/office/2006/metadata/properties" ma:root="true" ma:fieldsID="23414a13395756fa7b20173620af81aa" ns3:_="" ns4:_="">
     <xsd:import namespace="61d4b2b7-c11c-4679-a498-c69870ddf3ad"/>
@@ -34560,7 +33938,50 @@
 </ct:contentTypeSchema>
 </file>
 
+<file path=customXml/item2.xml><?xml version="1.0" encoding="utf-8"?>
+<p:properties xmlns:p="http://schemas.microsoft.com/office/2006/metadata/properties" xmlns:pc="http://schemas.microsoft.com/office/infopath/2007/PartnerControls" xmlns:xsi="http://www.w3.org/2001/XMLSchema-instance">
+  <documentManagement>
+    <SharedWithUsers xmlns="53207a91-4873-4278-88cd-3a5c1985bff7">
+      <UserInfo>
+        <DisplayName/>
+        <AccountId xsi:nil="true"/>
+        <AccountType/>
+      </UserInfo>
+    </SharedWithUsers>
+    <SharedWithDetails xmlns="53207a91-4873-4278-88cd-3a5c1985bff7" xsi:nil="true"/>
+  </documentManagement>
+</p:properties>
+</file>
+
+<file path=customXml/item3.xml><?xml version="1.0" encoding="utf-8"?>
+<?mso-contentType ?>
+<FormTemplates xmlns="http://schemas.microsoft.com/sharepoint/v3/contenttype/forms">
+  <Display>DocumentLibraryForm</Display>
+  <Edit>DocumentLibraryForm</Edit>
+  <New>DocumentLibraryForm</New>
+</FormTemplates>
+</file>
+
 <file path=customXml/itemProps1.xml><?xml version="1.0" encoding="utf-8"?>
+<ds:datastoreItem xmlns:ds="http://schemas.openxmlformats.org/officeDocument/2006/customXml" ds:itemID="{038AEBA6-4909-4FA6-B3B8-894B7F209BA0}">
+  <ds:schemaRefs>
+    <ds:schemaRef ds:uri="http://schemas.microsoft.com/office/2006/metadata/contentType"/>
+    <ds:schemaRef ds:uri="http://schemas.microsoft.com/office/2006/metadata/properties/metaAttributes"/>
+    <ds:schemaRef ds:uri="http://www.w3.org/2001/XMLSchema"/>
+    <ds:schemaRef ds:uri="http://schemas.microsoft.com/office/2006/metadata/properties"/>
+    <ds:schemaRef ds:uri="61d4b2b7-c11c-4679-a498-c69870ddf3ad"/>
+    <ds:schemaRef ds:uri="53207a91-4873-4278-88cd-3a5c1985bff7"/>
+    <ds:schemaRef ds:uri="http://schemas.microsoft.com/office/2006/documentManagement/types"/>
+    <ds:schemaRef ds:uri="http://schemas.microsoft.com/office/infopath/2007/PartnerControls"/>
+    <ds:schemaRef ds:uri="http://schemas.openxmlformats.org/package/2006/metadata/core-properties"/>
+    <ds:schemaRef ds:uri="http://purl.org/dc/elements/1.1/"/>
+    <ds:schemaRef ds:uri="http://purl.org/dc/terms/"/>
+    <ds:schemaRef ds:uri="http://schemas.microsoft.com/internal/obd"/>
+  </ds:schemaRefs>
+</ds:datastoreItem>
+</file>
+
+<file path=customXml/itemProps2.xml><?xml version="1.0" encoding="utf-8"?>
 <ds:datastoreItem xmlns:ds="http://schemas.openxmlformats.org/officeDocument/2006/customXml" ds:itemID="{F990F116-B58F-4255-B05B-DA3808E0E5C6}">
   <ds:schemaRefs>
     <ds:schemaRef ds:uri="http://purl.org/dc/dcmitype/"/>
@@ -34577,7 +33998,7 @@
 </ds:datastoreItem>
 </file>
 
-<file path=customXml/itemProps2.xml><?xml version="1.0" encoding="utf-8"?>
+<file path=customXml/itemProps3.xml><?xml version="1.0" encoding="utf-8"?>
 <ds:datastoreItem xmlns:ds="http://schemas.openxmlformats.org/officeDocument/2006/customXml" ds:itemID="{758FDAC0-319D-4A54-8D8E-1D42CB1F8004}">
   <ds:schemaRefs>
     <ds:schemaRef ds:uri="http://schemas.microsoft.com/sharepoint/v3/contenttype/forms"/>
@@ -34585,21 +34006,8 @@
 </ds:datastoreItem>
 </file>
 
-<file path=customXml/itemProps3.xml><?xml version="1.0" encoding="utf-8"?>
-<ds:datastoreItem xmlns:ds="http://schemas.openxmlformats.org/officeDocument/2006/customXml" ds:itemID="{038AEBA6-4909-4FA6-B3B8-894B7F209BA0}">
-  <ds:schemaRefs>
-    <ds:schemaRef ds:uri="http://schemas.microsoft.com/office/2006/metadata/contentType"/>
-    <ds:schemaRef ds:uri="http://schemas.microsoft.com/office/2006/metadata/properties/metaAttributes"/>
-    <ds:schemaRef ds:uri="http://www.w3.org/2001/XMLSchema"/>
-    <ds:schemaRef ds:uri="http://schemas.microsoft.com/office/2006/metadata/properties"/>
-    <ds:schemaRef ds:uri="61d4b2b7-c11c-4679-a498-c69870ddf3ad"/>
-    <ds:schemaRef ds:uri="53207a91-4873-4278-88cd-3a5c1985bff7"/>
-    <ds:schemaRef ds:uri="http://schemas.microsoft.com/office/2006/documentManagement/types"/>
-    <ds:schemaRef ds:uri="http://schemas.microsoft.com/office/infopath/2007/PartnerControls"/>
-    <ds:schemaRef ds:uri="http://schemas.openxmlformats.org/package/2006/metadata/core-properties"/>
-    <ds:schemaRef ds:uri="http://purl.org/dc/elements/1.1/"/>
-    <ds:schemaRef ds:uri="http://purl.org/dc/terms/"/>
-    <ds:schemaRef ds:uri="http://schemas.microsoft.com/internal/obd"/>
-  </ds:schemaRefs>
-</ds:datastoreItem>
+<file path=docMetadata/LabelInfo.xml><?xml version="1.0" encoding="utf-8"?>
+<clbl:labelList xmlns:clbl="http://schemas.microsoft.com/office/2020/mipLabelMetadata">
+  <clbl:label id="{f42aa342-8706-4288-bd11-ebb85995028c}" enabled="1" method="Standard" siteId="{72f988bf-86f1-41af-91ab-2d7cd011db47}" contentBits="0" removed="0"/>
+</clbl:labelList>
 </file>
--- a/PPTs/05_state_management_and_provisioners.pptx
+++ b/PPTs/05_state_management_and_provisioners.pptx
@@ -5,10 +5,10 @@
     <p:sldMasterId id="2147484229" r:id="rId4"/>
   </p:sldMasterIdLst>
   <p:notesMasterIdLst>
-    <p:notesMasterId r:id="rId23"/>
+    <p:notesMasterId r:id="rId24"/>
   </p:notesMasterIdLst>
   <p:handoutMasterIdLst>
-    <p:handoutMasterId r:id="rId24"/>
+    <p:handoutMasterId r:id="rId25"/>
   </p:handoutMasterIdLst>
   <p:sldIdLst>
     <p:sldId id="1663" r:id="rId5"/>
@@ -16,19 +16,20 @@
     <p:sldId id="278" r:id="rId7"/>
     <p:sldId id="2102" r:id="rId8"/>
     <p:sldId id="2105" r:id="rId9"/>
-    <p:sldId id="2094" r:id="rId10"/>
-    <p:sldId id="2112" r:id="rId11"/>
-    <p:sldId id="2118" r:id="rId12"/>
-    <p:sldId id="2076138300" r:id="rId13"/>
-    <p:sldId id="2113" r:id="rId14"/>
-    <p:sldId id="2114" r:id="rId15"/>
-    <p:sldId id="2117" r:id="rId16"/>
-    <p:sldId id="2116" r:id="rId17"/>
-    <p:sldId id="2119" r:id="rId18"/>
-    <p:sldId id="2103" r:id="rId19"/>
-    <p:sldId id="2101" r:id="rId20"/>
-    <p:sldId id="1893" r:id="rId21"/>
-    <p:sldId id="1532" r:id="rId22"/>
+    <p:sldId id="2076138470" r:id="rId10"/>
+    <p:sldId id="2076138471" r:id="rId11"/>
+    <p:sldId id="2094" r:id="rId12"/>
+    <p:sldId id="2112" r:id="rId13"/>
+    <p:sldId id="2118" r:id="rId14"/>
+    <p:sldId id="2113" r:id="rId15"/>
+    <p:sldId id="2114" r:id="rId16"/>
+    <p:sldId id="2117" r:id="rId17"/>
+    <p:sldId id="2116" r:id="rId18"/>
+    <p:sldId id="2119" r:id="rId19"/>
+    <p:sldId id="2103" r:id="rId20"/>
+    <p:sldId id="2101" r:id="rId21"/>
+    <p:sldId id="1893" r:id="rId22"/>
+    <p:sldId id="1532" r:id="rId23"/>
   </p:sldIdLst>
   <p:sldSz cx="12192000" cy="6858000"/>
   <p:notesSz cx="6858000" cy="9144000"/>
@@ -141,10 +142,11 @@
           <p14:sldIdLst>
             <p14:sldId id="2102"/>
             <p14:sldId id="2105"/>
+            <p14:sldId id="2076138470"/>
+            <p14:sldId id="2076138471"/>
             <p14:sldId id="2094"/>
             <p14:sldId id="2112"/>
             <p14:sldId id="2118"/>
-            <p14:sldId id="2076138300"/>
           </p14:sldIdLst>
         </p14:section>
         <p14:section name="Workspaces" id="{45807EF6-FD39-4D0E-9F87-D6BDD9C1E52A}">
@@ -14297,7 +14299,7 @@
               <a:rPr lang="en-US" smtClean="0">
                 <a:latin typeface="Segoe UI" pitchFamily="34" charset="0"/>
               </a:rPr>
-              <a:t>1/4/2023 9:06 AM</a:t>
+              <a:t>6/29/2023 12:45 PM</a:t>
             </a:fld>
             <a:endParaRPr lang="en-US" dirty="0">
               <a:latin typeface="Segoe UI" pitchFamily="34" charset="0"/>
@@ -14575,7 +14577,7 @@
           <a:p>
             <a:fld id="{386CE63F-9E7F-4C04-9D0D-FCA25A8E9E86}" type="datetime8">
               <a:rPr lang="en-US" smtClean="0"/>
-              <a:t>1/4/2023 9:06 AM</a:t>
+              <a:t>6/29/2023 12:45 PM</a:t>
             </a:fld>
             <a:endParaRPr lang="en-US" dirty="0"/>
           </a:p>
@@ -14942,7 +14944,7 @@
           <a:p>
             <a:fld id="{321E5A7B-BB8D-4368-A182-109669521632}" type="datetime8">
               <a:rPr lang="en-US" smtClean="0"/>
-              <a:t>1/4/2023 9:06 AM</a:t>
+              <a:t>6/29/2023 12:45 PM</a:t>
             </a:fld>
             <a:endParaRPr lang="en-US" dirty="0"/>
           </a:p>
@@ -15029,6 +15031,12 @@
           <a:bodyPr/>
           <a:lstStyle/>
           <a:p>
+            <a:r>
+              <a:rPr lang="en-GB" dirty="0">
+                <a:hlinkClick r:id="rId3"/>
+              </a:rPr>
+              <a:t>https://www.terraform.io/docs/state/workspaces.html</a:t>
+            </a:r>
             <a:endParaRPr lang="en-GB" dirty="0"/>
           </a:p>
         </p:txBody>
@@ -15123,7 +15131,7 @@
           <a:p>
             <a:fld id="{386CE63F-9E7F-4C04-9D0D-FCA25A8E9E86}" type="datetime8">
               <a:rPr lang="en-US" smtClean="0"/>
-              <a:t>1/4/2023 9:06 AM</a:t>
+              <a:t>6/29/2023 12:45 PM</a:t>
             </a:fld>
             <a:endParaRPr lang="en-US" dirty="0"/>
           </a:p>
@@ -15147,7 +15155,7 @@
             <a:fld id="{B4008EB6-D09E-4580-8CD6-DDB14511944F}" type="slidenum">
               <a:rPr lang="en-US" smtClean="0"/>
               <a:pPr/>
-              <a:t>10</a:t>
+              <a:t>12</a:t>
             </a:fld>
             <a:endParaRPr lang="en-US" dirty="0"/>
           </a:p>
@@ -15156,7 +15164,7 @@
     </p:spTree>
     <p:extLst>
       <p:ext uri="{BB962C8B-B14F-4D97-AF65-F5344CB8AC3E}">
-        <p14:creationId xmlns:p14="http://schemas.microsoft.com/office/powerpoint/2010/main" val="4090429098"/>
+        <p14:creationId xmlns:p14="http://schemas.microsoft.com/office/powerpoint/2010/main" val="1122392965"/>
       </p:ext>
     </p:extLst>
   </p:cSld>
@@ -15310,7 +15318,7 @@
           <a:p>
             <a:fld id="{386CE63F-9E7F-4C04-9D0D-FCA25A8E9E86}" type="datetime8">
               <a:rPr lang="en-US" smtClean="0"/>
-              <a:t>1/4/2023 9:06 AM</a:t>
+              <a:t>6/29/2023 12:45 PM</a:t>
             </a:fld>
             <a:endParaRPr lang="en-US" dirty="0"/>
           </a:p>
@@ -15334,7 +15342,7 @@
             <a:fld id="{B4008EB6-D09E-4580-8CD6-DDB14511944F}" type="slidenum">
               <a:rPr lang="en-US" smtClean="0"/>
               <a:pPr/>
-              <a:t>11</a:t>
+              <a:t>13</a:t>
             </a:fld>
             <a:endParaRPr lang="en-US" dirty="0"/>
           </a:p>
@@ -15343,7 +15351,7 @@
     </p:spTree>
     <p:extLst>
       <p:ext uri="{BB962C8B-B14F-4D97-AF65-F5344CB8AC3E}">
-        <p14:creationId xmlns:p14="http://schemas.microsoft.com/office/powerpoint/2010/main" val="1122392965"/>
+        <p14:creationId xmlns:p14="http://schemas.microsoft.com/office/powerpoint/2010/main" val="1131043720"/>
       </p:ext>
     </p:extLst>
   </p:cSld>
@@ -15397,12 +15405,6 @@
           <a:bodyPr/>
           <a:lstStyle/>
           <a:p>
-            <a:r>
-              <a:rPr lang="en-GB" dirty="0">
-                <a:hlinkClick r:id="rId3"/>
-              </a:rPr>
-              <a:t>https://www.terraform.io/docs/state/workspaces.html</a:t>
-            </a:r>
             <a:endParaRPr lang="en-GB" dirty="0"/>
           </a:p>
         </p:txBody>
@@ -15497,7 +15499,7 @@
           <a:p>
             <a:fld id="{386CE63F-9E7F-4C04-9D0D-FCA25A8E9E86}" type="datetime8">
               <a:rPr lang="en-US" smtClean="0"/>
-              <a:t>1/4/2023 9:06 AM</a:t>
+              <a:t>6/29/2023 12:45 PM</a:t>
             </a:fld>
             <a:endParaRPr lang="en-US" dirty="0"/>
           </a:p>
@@ -15521,7 +15523,7 @@
             <a:fld id="{B4008EB6-D09E-4580-8CD6-DDB14511944F}" type="slidenum">
               <a:rPr lang="en-US" smtClean="0"/>
               <a:pPr/>
-              <a:t>12</a:t>
+              <a:t>14</a:t>
             </a:fld>
             <a:endParaRPr lang="en-US" dirty="0"/>
           </a:p>
@@ -15530,7 +15532,7 @@
     </p:spTree>
     <p:extLst>
       <p:ext uri="{BB962C8B-B14F-4D97-AF65-F5344CB8AC3E}">
-        <p14:creationId xmlns:p14="http://schemas.microsoft.com/office/powerpoint/2010/main" val="1131043720"/>
+        <p14:creationId xmlns:p14="http://schemas.microsoft.com/office/powerpoint/2010/main" val="2540666043"/>
       </p:ext>
     </p:extLst>
   </p:cSld>
@@ -15678,7 +15680,7 @@
           <a:p>
             <a:fld id="{386CE63F-9E7F-4C04-9D0D-FCA25A8E9E86}" type="datetime8">
               <a:rPr lang="en-US" smtClean="0"/>
-              <a:t>1/4/2023 9:06 AM</a:t>
+              <a:t>6/29/2023 12:45 PM</a:t>
             </a:fld>
             <a:endParaRPr lang="en-US" dirty="0"/>
           </a:p>
@@ -15702,188 +15704,7 @@
             <a:fld id="{B4008EB6-D09E-4580-8CD6-DDB14511944F}" type="slidenum">
               <a:rPr lang="en-US" smtClean="0"/>
               <a:pPr/>
-              <a:t>13</a:t>
-            </a:fld>
-            <a:endParaRPr lang="en-US" dirty="0"/>
-          </a:p>
-        </p:txBody>
-      </p:sp>
-    </p:spTree>
-    <p:extLst>
-      <p:ext uri="{BB962C8B-B14F-4D97-AF65-F5344CB8AC3E}">
-        <p14:creationId xmlns:p14="http://schemas.microsoft.com/office/powerpoint/2010/main" val="2540666043"/>
-      </p:ext>
-    </p:extLst>
-  </p:cSld>
-  <p:clrMapOvr>
-    <a:masterClrMapping/>
-  </p:clrMapOvr>
-</p:notes>
-</file>
-
-<file path=ppt/notesSlides/notesSlide14.xml><?xml version="1.0" encoding="utf-8"?>
-<p:notes xmlns:a="http://schemas.openxmlformats.org/drawingml/2006/main" xmlns:r="http://schemas.openxmlformats.org/officeDocument/2006/relationships" xmlns:p="http://schemas.openxmlformats.org/presentationml/2006/main">
-  <p:cSld>
-    <p:spTree>
-      <p:nvGrpSpPr>
-        <p:cNvPr id="1" name=""/>
-        <p:cNvGrpSpPr/>
-        <p:nvPr/>
-      </p:nvGrpSpPr>
-      <p:grpSpPr>
-        <a:xfrm>
-          <a:off x="0" y="0"/>
-          <a:ext cx="0" cy="0"/>
-          <a:chOff x="0" y="0"/>
-          <a:chExt cx="0" cy="0"/>
-        </a:xfrm>
-      </p:grpSpPr>
-      <p:sp>
-        <p:nvSpPr>
-          <p:cNvPr id="2" name="Slide Image Placeholder 1"/>
-          <p:cNvSpPr>
-            <a:spLocks noGrp="1" noRot="1" noChangeAspect="1"/>
-          </p:cNvSpPr>
-          <p:nvPr>
-            <p:ph type="sldImg"/>
-          </p:nvPr>
-        </p:nvSpPr>
-        <p:spPr/>
-      </p:sp>
-      <p:sp>
-        <p:nvSpPr>
-          <p:cNvPr id="3" name="Notes Placeholder 2"/>
-          <p:cNvSpPr>
-            <a:spLocks noGrp="1"/>
-          </p:cNvSpPr>
-          <p:nvPr>
-            <p:ph type="body" idx="1"/>
-          </p:nvPr>
-        </p:nvSpPr>
-        <p:spPr/>
-        <p:txBody>
-          <a:bodyPr/>
-          <a:lstStyle/>
-          <a:p>
-            <a:endParaRPr lang="en-GB" dirty="0"/>
-          </a:p>
-        </p:txBody>
-      </p:sp>
-      <p:sp>
-        <p:nvSpPr>
-          <p:cNvPr id="4" name="Header Placeholder 3"/>
-          <p:cNvSpPr>
-            <a:spLocks noGrp="1"/>
-          </p:cNvSpPr>
-          <p:nvPr>
-            <p:ph type="hdr" sz="quarter"/>
-          </p:nvPr>
-        </p:nvSpPr>
-        <p:spPr/>
-        <p:txBody>
-          <a:bodyPr/>
-          <a:lstStyle/>
-          <a:p>
-            <a:endParaRPr lang="en-US" dirty="0"/>
-          </a:p>
-        </p:txBody>
-      </p:sp>
-      <p:sp>
-        <p:nvSpPr>
-          <p:cNvPr id="5" name="Footer Placeholder 4"/>
-          <p:cNvSpPr>
-            <a:spLocks noGrp="1"/>
-          </p:cNvSpPr>
-          <p:nvPr>
-            <p:ph type="ftr" sz="quarter" idx="4"/>
-          </p:nvPr>
-        </p:nvSpPr>
-        <p:spPr/>
-        <p:txBody>
-          <a:bodyPr/>
-          <a:lstStyle/>
-          <a:p>
-            <a:pPr defTabSz="914099" eaLnBrk="0" hangingPunct="0"/>
-            <a:r>
-              <a:rPr lang="en-US" sz="400">
-                <a:gradFill>
-                  <a:gsLst>
-                    <a:gs pos="0">
-                      <a:prstClr val="black"/>
-                    </a:gs>
-                    <a:gs pos="100000">
-                      <a:prstClr val="black"/>
-                    </a:gs>
-                  </a:gsLst>
-                  <a:lin ang="5400000" scaled="0"/>
-                </a:gradFill>
-                <a:latin typeface="Segoe UI" pitchFamily="34" charset="0"/>
-                <a:ea typeface="Segoe UI" pitchFamily="34" charset="0"/>
-                <a:cs typeface="Segoe UI" pitchFamily="34" charset="0"/>
-              </a:rPr>
-              <a:t>© Microsoft Corporation. All rights reserved. MICROSOFT MAKES NO WARRANTIES, EXPRESS, IMPLIED OR STATUTORY, AS TO THE INFORMATION IN THIS PRESENTATION.</a:t>
-            </a:r>
-            <a:endParaRPr lang="en-US" sz="400" dirty="0">
-              <a:gradFill>
-                <a:gsLst>
-                  <a:gs pos="0">
-                    <a:prstClr val="black"/>
-                  </a:gs>
-                  <a:gs pos="100000">
-                    <a:prstClr val="black"/>
-                  </a:gs>
-                </a:gsLst>
-                <a:lin ang="5400000" scaled="0"/>
-              </a:gradFill>
-              <a:latin typeface="Segoe UI" pitchFamily="34" charset="0"/>
-              <a:ea typeface="Segoe UI" pitchFamily="34" charset="0"/>
-              <a:cs typeface="Segoe UI" pitchFamily="34" charset="0"/>
-            </a:endParaRPr>
-          </a:p>
-        </p:txBody>
-      </p:sp>
-      <p:sp>
-        <p:nvSpPr>
-          <p:cNvPr id="6" name="Date Placeholder 5"/>
-          <p:cNvSpPr>
-            <a:spLocks noGrp="1"/>
-          </p:cNvSpPr>
-          <p:nvPr>
-            <p:ph type="dt" idx="1"/>
-          </p:nvPr>
-        </p:nvSpPr>
-        <p:spPr/>
-        <p:txBody>
-          <a:bodyPr/>
-          <a:lstStyle/>
-          <a:p>
-            <a:fld id="{386CE63F-9E7F-4C04-9D0D-FCA25A8E9E86}" type="datetime8">
-              <a:rPr lang="en-US" smtClean="0"/>
-              <a:t>1/4/2023 9:06 AM</a:t>
-            </a:fld>
-            <a:endParaRPr lang="en-US" dirty="0"/>
-          </a:p>
-        </p:txBody>
-      </p:sp>
-      <p:sp>
-        <p:nvSpPr>
-          <p:cNvPr id="7" name="Slide Number Placeholder 6"/>
-          <p:cNvSpPr>
-            <a:spLocks noGrp="1"/>
-          </p:cNvSpPr>
-          <p:nvPr>
-            <p:ph type="sldNum" sz="quarter" idx="5"/>
-          </p:nvPr>
-        </p:nvSpPr>
-        <p:spPr/>
-        <p:txBody>
-          <a:bodyPr/>
-          <a:lstStyle/>
-          <a:p>
-            <a:fld id="{B4008EB6-D09E-4580-8CD6-DDB14511944F}" type="slidenum">
-              <a:rPr lang="en-US" smtClean="0"/>
-              <a:pPr/>
-              <a:t>14</a:t>
+              <a:t>15</a:t>
             </a:fld>
             <a:endParaRPr lang="en-US" dirty="0"/>
           </a:p>
@@ -15902,7 +15723,7 @@
 </p:notes>
 </file>
 
-<file path=ppt/notesSlides/notesSlide15.xml><?xml version="1.0" encoding="utf-8"?>
+<file path=ppt/notesSlides/notesSlide14.xml><?xml version="1.0" encoding="utf-8"?>
 <p:notes xmlns:a="http://schemas.openxmlformats.org/drawingml/2006/main" xmlns:r="http://schemas.openxmlformats.org/officeDocument/2006/relationships" xmlns:p="http://schemas.openxmlformats.org/presentationml/2006/main">
   <p:cSld>
     <p:spTree>
@@ -16063,7 +15884,7 @@
           <a:p>
             <a:fld id="{386CE63F-9E7F-4C04-9D0D-FCA25A8E9E86}" type="datetime8">
               <a:rPr lang="en-US" smtClean="0"/>
-              <a:t>1/4/2023 9:06 AM</a:t>
+              <a:t>6/29/2023 12:45 PM</a:t>
             </a:fld>
             <a:endParaRPr lang="en-US" dirty="0"/>
           </a:p>
@@ -16087,7 +15908,7 @@
             <a:fld id="{B4008EB6-D09E-4580-8CD6-DDB14511944F}" type="slidenum">
               <a:rPr lang="en-US" smtClean="0"/>
               <a:pPr/>
-              <a:t>15</a:t>
+              <a:t>16</a:t>
             </a:fld>
             <a:endParaRPr lang="en-US" dirty="0"/>
           </a:p>
@@ -16106,7 +15927,7 @@
 </p:notes>
 </file>
 
-<file path=ppt/notesSlides/notesSlide16.xml><?xml version="1.0" encoding="utf-8"?>
+<file path=ppt/notesSlides/notesSlide15.xml><?xml version="1.0" encoding="utf-8"?>
 <p:notes xmlns:a="http://schemas.openxmlformats.org/drawingml/2006/main" xmlns:r="http://schemas.openxmlformats.org/officeDocument/2006/relationships" xmlns:p="http://schemas.openxmlformats.org/presentationml/2006/main">
   <p:cSld>
     <p:spTree>
@@ -16244,7 +16065,7 @@
           <a:p>
             <a:fld id="{386CE63F-9E7F-4C04-9D0D-FCA25A8E9E86}" type="datetime8">
               <a:rPr lang="en-US" smtClean="0"/>
-              <a:t>1/4/2023 9:06 AM</a:t>
+              <a:t>6/29/2023 12:45 PM</a:t>
             </a:fld>
             <a:endParaRPr lang="en-US" dirty="0"/>
           </a:p>
@@ -16268,7 +16089,7 @@
             <a:fld id="{B4008EB6-D09E-4580-8CD6-DDB14511944F}" type="slidenum">
               <a:rPr lang="en-US" smtClean="0"/>
               <a:pPr/>
-              <a:t>16</a:t>
+              <a:t>17</a:t>
             </a:fld>
             <a:endParaRPr lang="en-US" dirty="0"/>
           </a:p>
@@ -16287,7 +16108,7 @@
 </p:notes>
 </file>
 
-<file path=ppt/notesSlides/notesSlide17.xml><?xml version="1.0" encoding="utf-8"?>
+<file path=ppt/notesSlides/notesSlide16.xml><?xml version="1.0" encoding="utf-8"?>
 <p:notes xmlns:a="http://schemas.openxmlformats.org/drawingml/2006/main" xmlns:r="http://schemas.openxmlformats.org/officeDocument/2006/relationships" xmlns:p="http://schemas.openxmlformats.org/presentationml/2006/main">
   <p:cSld>
     <p:spTree>
@@ -16409,7 +16230,7 @@
           <a:p>
             <a:fld id="{9427A7F7-BB1E-479D-AFAA-B52F4D0C99F2}" type="datetime8">
               <a:rPr lang="en-US" smtClean="0"/>
-              <a:t>1/4/2023 9:06 AM</a:t>
+              <a:t>6/29/2023 12:45 PM</a:t>
             </a:fld>
             <a:endParaRPr lang="en-US" dirty="0"/>
           </a:p>
@@ -16433,7 +16254,7 @@
             <a:fld id="{B4008EB6-D09E-4580-8CD6-DDB14511944F}" type="slidenum">
               <a:rPr lang="en-US" smtClean="0"/>
               <a:pPr/>
-              <a:t>17</a:t>
+              <a:t>18</a:t>
             </a:fld>
             <a:endParaRPr lang="en-US" dirty="0"/>
           </a:p>
@@ -16452,7 +16273,7 @@
 </p:notes>
 </file>
 
-<file path=ppt/notesSlides/notesSlide18.xml><?xml version="1.0" encoding="utf-8"?>
+<file path=ppt/notesSlides/notesSlide17.xml><?xml version="1.0" encoding="utf-8"?>
 <p:notes xmlns:a="http://schemas.openxmlformats.org/drawingml/2006/main" xmlns:r="http://schemas.openxmlformats.org/officeDocument/2006/relationships" xmlns:p="http://schemas.openxmlformats.org/presentationml/2006/main">
   <p:cSld>
     <p:spTree>
@@ -16559,7 +16380,7 @@
                   <a:prstClr val="black"/>
                 </a:solidFill>
               </a:rPr>
-              <a:t>1/4/2023 9:06 AM</a:t>
+              <a:t>6/29/2023 12:45 PM</a:t>
             </a:fld>
             <a:endParaRPr lang="en-US" dirty="0">
               <a:solidFill>
@@ -16591,7 +16412,7 @@
                 </a:solidFill>
               </a:rPr>
               <a:pPr/>
-              <a:t>18</a:t>
+              <a:t>19</a:t>
             </a:fld>
             <a:endParaRPr lang="en-US" dirty="0">
               <a:solidFill>
@@ -16794,7 +16615,7 @@
           <a:p>
             <a:fld id="{386CE63F-9E7F-4C04-9D0D-FCA25A8E9E86}" type="datetime8">
               <a:rPr lang="en-US" smtClean="0"/>
-              <a:t>1/4/2023 9:06 AM</a:t>
+              <a:t>6/29/2023 12:45 PM</a:t>
             </a:fld>
             <a:endParaRPr lang="en-US" dirty="0"/>
           </a:p>
@@ -17036,7 +16857,7 @@
           <a:p>
             <a:fld id="{386CE63F-9E7F-4C04-9D0D-FCA25A8E9E86}" type="datetime8">
               <a:rPr lang="en-US" smtClean="0"/>
-              <a:t>1/4/2023 9:06 AM</a:t>
+              <a:t>6/29/2023 12:45 PM</a:t>
             </a:fld>
             <a:endParaRPr lang="en-US" dirty="0"/>
           </a:p>
@@ -17256,7 +17077,7 @@
           <a:p>
             <a:fld id="{386CE63F-9E7F-4C04-9D0D-FCA25A8E9E86}" type="datetime8">
               <a:rPr lang="en-US" smtClean="0"/>
-              <a:t>1/4/2023 9:06 AM</a:t>
+              <a:t>6/29/2023 12:45 PM</a:t>
             </a:fld>
             <a:endParaRPr lang="en-US" dirty="0"/>
           </a:p>
@@ -17469,7 +17290,7 @@
           <a:p>
             <a:fld id="{386CE63F-9E7F-4C04-9D0D-FCA25A8E9E86}" type="datetime8">
               <a:rPr lang="en-US" smtClean="0"/>
-              <a:t>1/4/2023 9:06 AM</a:t>
+              <a:t>6/29/2023 12:45 PM</a:t>
             </a:fld>
             <a:endParaRPr lang="en-US" dirty="0"/>
           </a:p>
@@ -17493,7 +17314,7 @@
             <a:fld id="{B4008EB6-D09E-4580-8CD6-DDB14511944F}" type="slidenum">
               <a:rPr lang="en-US" smtClean="0"/>
               <a:pPr/>
-              <a:t>6</a:t>
+              <a:t>8</a:t>
             </a:fld>
             <a:endParaRPr lang="en-US" dirty="0"/>
           </a:p>
@@ -17662,7 +17483,7 @@
           <a:p>
             <a:fld id="{386CE63F-9E7F-4C04-9D0D-FCA25A8E9E86}" type="datetime8">
               <a:rPr lang="en-US" smtClean="0"/>
-              <a:t>1/4/2023 9:06 AM</a:t>
+              <a:t>6/29/2023 12:45 PM</a:t>
             </a:fld>
             <a:endParaRPr lang="en-US" dirty="0"/>
           </a:p>
@@ -17686,7 +17507,7 @@
             <a:fld id="{B4008EB6-D09E-4580-8CD6-DDB14511944F}" type="slidenum">
               <a:rPr lang="en-US" smtClean="0"/>
               <a:pPr/>
-              <a:t>7</a:t>
+              <a:t>9</a:t>
             </a:fld>
             <a:endParaRPr lang="en-US" dirty="0"/>
           </a:p>
@@ -17849,7 +17670,7 @@
           <a:p>
             <a:fld id="{386CE63F-9E7F-4C04-9D0D-FCA25A8E9E86}" type="datetime8">
               <a:rPr lang="en-US" smtClean="0"/>
-              <a:t>1/4/2023 9:06 AM</a:t>
+              <a:t>6/29/2023 12:45 PM</a:t>
             </a:fld>
             <a:endParaRPr lang="en-US" dirty="0"/>
           </a:p>
@@ -17873,7 +17694,7 @@
             <a:fld id="{B4008EB6-D09E-4580-8CD6-DDB14511944F}" type="slidenum">
               <a:rPr lang="en-US" smtClean="0"/>
               <a:pPr/>
-              <a:t>8</a:t>
+              <a:t>10</a:t>
             </a:fld>
             <a:endParaRPr lang="en-US" dirty="0"/>
           </a:p>
@@ -18030,7 +17851,7 @@
           <a:p>
             <a:fld id="{386CE63F-9E7F-4C04-9D0D-FCA25A8E9E86}" type="datetime8">
               <a:rPr lang="en-US" smtClean="0"/>
-              <a:t>1/4/2023 9:06 AM</a:t>
+              <a:t>6/29/2023 12:45 PM</a:t>
             </a:fld>
             <a:endParaRPr lang="en-US" dirty="0"/>
           </a:p>
@@ -18054,7 +17875,7 @@
             <a:fld id="{B4008EB6-D09E-4580-8CD6-DDB14511944F}" type="slidenum">
               <a:rPr lang="en-US" smtClean="0"/>
               <a:pPr/>
-              <a:t>9</a:t>
+              <a:t>11</a:t>
             </a:fld>
             <a:endParaRPr lang="en-US" dirty="0"/>
           </a:p>
@@ -18063,7 +17884,7 @@
     </p:spTree>
     <p:extLst>
       <p:ext uri="{BB962C8B-B14F-4D97-AF65-F5344CB8AC3E}">
-        <p14:creationId xmlns:p14="http://schemas.microsoft.com/office/powerpoint/2010/main" val="3697125890"/>
+        <p14:creationId xmlns:p14="http://schemas.microsoft.com/office/powerpoint/2010/main" val="4090429098"/>
       </p:ext>
     </p:extLst>
   </p:cSld>
@@ -24679,6 +24500,316 @@
 </p:sldLayout>
 </file>
 
+<file path=ppt/slideLayouts/slideLayout35.xml><?xml version="1.0" encoding="utf-8"?>
+<p:sldLayout xmlns:a="http://schemas.openxmlformats.org/drawingml/2006/main" xmlns:r="http://schemas.openxmlformats.org/officeDocument/2006/relationships" xmlns:p="http://schemas.openxmlformats.org/presentationml/2006/main" userDrawn="1">
+  <p:cSld name="Header Background Title and Content">
+    <p:spTree>
+      <p:nvGrpSpPr>
+        <p:cNvPr id="1" name=""/>
+        <p:cNvGrpSpPr/>
+        <p:nvPr/>
+      </p:nvGrpSpPr>
+      <p:grpSpPr>
+        <a:xfrm>
+          <a:off x="0" y="0"/>
+          <a:ext cx="0" cy="0"/>
+          <a:chOff x="0" y="0"/>
+          <a:chExt cx="0" cy="0"/>
+        </a:xfrm>
+      </p:grpSpPr>
+      <p:sp>
+        <p:nvSpPr>
+          <p:cNvPr id="8" name="Rectangle 7">
+            <a:extLst>
+              <a:ext uri="{FF2B5EF4-FFF2-40B4-BE49-F238E27FC236}">
+                <a16:creationId xmlns:a16="http://schemas.microsoft.com/office/drawing/2014/main" id="{01109616-29F5-2A48-AD26-C036688E660A}"/>
+              </a:ext>
+            </a:extLst>
+          </p:cNvPr>
+          <p:cNvSpPr/>
+          <p:nvPr userDrawn="1"/>
+        </p:nvSpPr>
+        <p:spPr bwMode="auto">
+          <a:xfrm>
+            <a:off x="1" y="0"/>
+            <a:ext cx="12192000" cy="1439693"/>
+          </a:xfrm>
+          <a:prstGeom prst="rect">
+            <a:avLst/>
+          </a:prstGeom>
+          <a:solidFill>
+            <a:schemeClr val="tx2"/>
+          </a:solidFill>
+          <a:ln>
+            <a:noFill/>
+            <a:headEnd type="none" w="med" len="med"/>
+            <a:tailEnd type="none" w="med" len="med"/>
+          </a:ln>
+          <a:effectLst/>
+        </p:spPr>
+        <p:style>
+          <a:lnRef idx="1">
+            <a:schemeClr val="accent2"/>
+          </a:lnRef>
+          <a:fillRef idx="3">
+            <a:schemeClr val="accent2"/>
+          </a:fillRef>
+          <a:effectRef idx="2">
+            <a:schemeClr val="accent2"/>
+          </a:effectRef>
+          <a:fontRef idx="minor">
+            <a:schemeClr val="lt1"/>
+          </a:fontRef>
+        </p:style>
+        <p:txBody>
+          <a:bodyPr rot="0" spcFirstLastPara="0" vertOverflow="overflow" horzOverflow="overflow" vert="horz" wrap="square" lIns="182880" tIns="146304" rIns="182880" bIns="146304" numCol="1" spcCol="0" rtlCol="0" fromWordArt="0" anchor="t" anchorCtr="0" forceAA="0" compatLnSpc="1">
+            <a:prstTxWarp prst="textNoShape">
+              <a:avLst/>
+            </a:prstTxWarp>
+            <a:noAutofit/>
+          </a:bodyPr>
+          <a:lstStyle/>
+          <a:p>
+            <a:pPr algn="l" defTabSz="932472" fontAlgn="base">
+              <a:spcBef>
+                <a:spcPct val="0"/>
+              </a:spcBef>
+              <a:spcAft>
+                <a:spcPct val="0"/>
+              </a:spcAft>
+            </a:pPr>
+            <a:endParaRPr lang="en-US" sz="2000" dirty="0" err="1">
+              <a:solidFill>
+                <a:srgbClr val="FFFFFF"/>
+              </a:solidFill>
+              <a:ea typeface="Segoe UI" pitchFamily="34" charset="0"/>
+              <a:cs typeface="Segoe UI" pitchFamily="34" charset="0"/>
+            </a:endParaRPr>
+          </a:p>
+        </p:txBody>
+      </p:sp>
+      <p:sp>
+        <p:nvSpPr>
+          <p:cNvPr id="2" name="Title 1">
+            <a:extLst>
+              <a:ext uri="{FF2B5EF4-FFF2-40B4-BE49-F238E27FC236}">
+                <a16:creationId xmlns:a16="http://schemas.microsoft.com/office/drawing/2014/main" id="{22FCFEFD-88E5-4869-B5C3-1611B0B50E15}"/>
+              </a:ext>
+            </a:extLst>
+          </p:cNvPr>
+          <p:cNvSpPr>
+            <a:spLocks noGrp="1"/>
+          </p:cNvSpPr>
+          <p:nvPr>
+            <p:ph type="title"/>
+          </p:nvPr>
+        </p:nvSpPr>
+        <p:spPr>
+          <a:xfrm>
+            <a:off x="588263" y="457200"/>
+            <a:ext cx="11018520" cy="553998"/>
+          </a:xfrm>
+        </p:spPr>
+        <p:txBody>
+          <a:bodyPr anchor="ctr"/>
+          <a:lstStyle>
+            <a:lvl1pPr>
+              <a:defRPr>
+                <a:solidFill>
+                  <a:schemeClr val="accent3"/>
+                </a:solidFill>
+              </a:defRPr>
+            </a:lvl1pPr>
+          </a:lstStyle>
+          <a:p>
+            <a:r>
+              <a:rPr lang="en-US"/>
+              <a:t>Click to edit Master title style</a:t>
+            </a:r>
+            <a:endParaRPr lang="en-US" dirty="0"/>
+          </a:p>
+        </p:txBody>
+      </p:sp>
+      <p:sp>
+        <p:nvSpPr>
+          <p:cNvPr id="4" name="Content Placeholder 3">
+            <a:extLst>
+              <a:ext uri="{FF2B5EF4-FFF2-40B4-BE49-F238E27FC236}">
+                <a16:creationId xmlns:a16="http://schemas.microsoft.com/office/drawing/2014/main" id="{58A212C2-8B30-4835-8711-AA981B6CFBE1}"/>
+              </a:ext>
+            </a:extLst>
+          </p:cNvPr>
+          <p:cNvSpPr>
+            <a:spLocks noGrp="1"/>
+          </p:cNvSpPr>
+          <p:nvPr>
+            <p:ph sz="quarter" idx="10"/>
+          </p:nvPr>
+        </p:nvSpPr>
+        <p:spPr>
+          <a:xfrm>
+            <a:off x="584200" y="1844675"/>
+            <a:ext cx="11018838" cy="4424363"/>
+          </a:xfrm>
+        </p:spPr>
+        <p:txBody>
+          <a:bodyPr/>
+          <a:lstStyle>
+            <a:lvl1pPr marL="0" indent="0">
+              <a:buNone/>
+              <a:defRPr>
+                <a:solidFill>
+                  <a:schemeClr val="tx1"/>
+                </a:solidFill>
+              </a:defRPr>
+            </a:lvl1pPr>
+            <a:lvl2pPr>
+              <a:defRPr>
+                <a:solidFill>
+                  <a:schemeClr val="tx1"/>
+                </a:solidFill>
+              </a:defRPr>
+            </a:lvl2pPr>
+            <a:lvl3pPr>
+              <a:defRPr>
+                <a:solidFill>
+                  <a:schemeClr val="tx1"/>
+                </a:solidFill>
+              </a:defRPr>
+            </a:lvl3pPr>
+            <a:lvl4pPr>
+              <a:defRPr>
+                <a:solidFill>
+                  <a:schemeClr val="tx1"/>
+                </a:solidFill>
+              </a:defRPr>
+            </a:lvl4pPr>
+            <a:lvl5pPr>
+              <a:defRPr>
+                <a:solidFill>
+                  <a:schemeClr val="tx1"/>
+                </a:solidFill>
+              </a:defRPr>
+            </a:lvl5pPr>
+          </a:lstStyle>
+          <a:p>
+            <a:pPr lvl="0"/>
+            <a:r>
+              <a:rPr lang="en-US"/>
+              <a:t>Click to edit Master text styles</a:t>
+            </a:r>
+          </a:p>
+          <a:p>
+            <a:pPr lvl="1"/>
+            <a:r>
+              <a:rPr lang="en-US"/>
+              <a:t>Second level</a:t>
+            </a:r>
+          </a:p>
+          <a:p>
+            <a:pPr lvl="2"/>
+            <a:r>
+              <a:rPr lang="en-US"/>
+              <a:t>Third level</a:t>
+            </a:r>
+          </a:p>
+          <a:p>
+            <a:pPr lvl="3"/>
+            <a:r>
+              <a:rPr lang="en-US"/>
+              <a:t>Fourth level</a:t>
+            </a:r>
+          </a:p>
+          <a:p>
+            <a:pPr lvl="4"/>
+            <a:r>
+              <a:rPr lang="en-US"/>
+              <a:t>Fifth level</a:t>
+            </a:r>
+            <a:endParaRPr lang="en-US" dirty="0"/>
+          </a:p>
+        </p:txBody>
+      </p:sp>
+      <p:sp>
+        <p:nvSpPr>
+          <p:cNvPr id="6" name="TextBox 5">
+            <a:extLst>
+              <a:ext uri="{FF2B5EF4-FFF2-40B4-BE49-F238E27FC236}">
+                <a16:creationId xmlns:a16="http://schemas.microsoft.com/office/drawing/2014/main" id="{4F9662A5-6E2F-47B0-9B6E-E87983D3753C}"/>
+              </a:ext>
+              <a:ext uri="{C183D7F6-B498-43B3-948B-1728B52AA6E4}">
+                <adec:decorative xmlns:adec="http://schemas.microsoft.com/office/drawing/2017/decorative" val="1"/>
+              </a:ext>
+            </a:extLst>
+          </p:cNvPr>
+          <p:cNvSpPr txBox="1"/>
+          <p:nvPr userDrawn="1"/>
+        </p:nvSpPr>
+        <p:spPr>
+          <a:xfrm>
+            <a:off x="12355721" y="-203944"/>
+            <a:ext cx="577081" cy="153888"/>
+          </a:xfrm>
+          <a:prstGeom prst="rect">
+            <a:avLst/>
+          </a:prstGeom>
+          <a:noFill/>
+        </p:spPr>
+        <p:txBody>
+          <a:bodyPr wrap="none" lIns="0" tIns="0" rIns="0" bIns="0" rtlCol="0">
+            <a:spAutoFit/>
+          </a:bodyPr>
+          <a:lstStyle/>
+          <a:p>
+            <a:pPr algn="l"/>
+            <a:r>
+              <a:rPr lang="en-US" sz="1000" dirty="0">
+                <a:solidFill>
+                  <a:srgbClr val="A3A3A3"/>
+                </a:solidFill>
+              </a:rPr>
+              <a:t>ELT layout</a:t>
+            </a:r>
+          </a:p>
+        </p:txBody>
+      </p:sp>
+    </p:spTree>
+    <p:extLst>
+      <p:ext uri="{BB962C8B-B14F-4D97-AF65-F5344CB8AC3E}">
+        <p14:creationId xmlns:p14="http://schemas.microsoft.com/office/powerpoint/2010/main" val="3722377003"/>
+      </p:ext>
+    </p:extLst>
+  </p:cSld>
+  <p:clrMapOvr>
+    <a:masterClrMapping/>
+  </p:clrMapOvr>
+  <p:transition>
+    <p:fade/>
+  </p:transition>
+  <p:extLst>
+    <p:ext uri="{DCECCB84-F9BA-43D5-87BE-67443E8EF086}">
+      <p15:sldGuideLst xmlns:p15="http://schemas.microsoft.com/office/powerpoint/2012/main">
+        <p15:guide id="2" orient="horz" pos="1162">
+          <p15:clr>
+            <a:srgbClr val="5ACBF0"/>
+          </p15:clr>
+        </p15:guide>
+        <p15:guide id="3" orient="horz" pos="288">
+          <p15:clr>
+            <a:srgbClr val="5ACBF0"/>
+          </p15:clr>
+        </p15:guide>
+        <p15:guide id="5" orient="horz" pos="904">
+          <p15:clr>
+            <a:srgbClr val="5ACBF0"/>
+          </p15:clr>
+        </p15:guide>
+      </p15:sldGuideLst>
+    </p:ext>
+  </p:extLst>
+</p:sldLayout>
+</file>
+
 <file path=ppt/slideLayouts/slideLayout4.xml><?xml version="1.0" encoding="utf-8"?>
 <p:sldLayout xmlns:a="http://schemas.openxmlformats.org/drawingml/2006/main" xmlns:r="http://schemas.openxmlformats.org/officeDocument/2006/relationships" xmlns:p="http://schemas.openxmlformats.org/presentationml/2006/main" preserve="1" userDrawn="1">
   <p:cSld name="Title Slide 2">
@@ -27851,7 +27982,7 @@
           <p:nvPr userDrawn="1"/>
         </p:nvPicPr>
         <p:blipFill rotWithShape="1">
-          <a:blip r:embed="rId36"/>
+          <a:blip r:embed="rId37"/>
           <a:srcRect l="762"/>
           <a:stretch/>
         </p:blipFill>
@@ -27908,6 +28039,7 @@
     <p:sldLayoutId id="2147484263" r:id="rId32"/>
     <p:sldLayoutId id="2147484932" r:id="rId33"/>
     <p:sldLayoutId id="2147484933" r:id="rId34"/>
+    <p:sldLayoutId id="2147484934" r:id="rId35"/>
   </p:sldLayoutIdLst>
   <p:transition>
     <p:fade/>
@@ -28375,6 +28507,104 @@
       </p:grpSpPr>
       <p:sp>
         <p:nvSpPr>
+          <p:cNvPr id="2" name="Title 1">
+            <a:extLst>
+              <a:ext uri="{FF2B5EF4-FFF2-40B4-BE49-F238E27FC236}">
+                <a16:creationId xmlns:a16="http://schemas.microsoft.com/office/drawing/2014/main" id="{B8823E95-D10F-42A0-A75E-E2B812A67602}"/>
+              </a:ext>
+            </a:extLst>
+          </p:cNvPr>
+          <p:cNvSpPr>
+            <a:spLocks noGrp="1"/>
+          </p:cNvSpPr>
+          <p:nvPr>
+            <p:ph type="title"/>
+          </p:nvPr>
+        </p:nvSpPr>
+        <p:spPr/>
+        <p:txBody>
+          <a:bodyPr/>
+          <a:lstStyle/>
+          <a:p>
+            <a:r>
+              <a:rPr lang="en-GB" dirty="0"/>
+              <a:t>Remote State using Azure Storage</a:t>
+            </a:r>
+          </a:p>
+        </p:txBody>
+      </p:sp>
+      <p:sp>
+        <p:nvSpPr>
+          <p:cNvPr id="3" name="Text Placeholder 2">
+            <a:extLst>
+              <a:ext uri="{FF2B5EF4-FFF2-40B4-BE49-F238E27FC236}">
+                <a16:creationId xmlns:a16="http://schemas.microsoft.com/office/drawing/2014/main" id="{E5488FDD-7E59-4CF0-A6DD-FF3D004FBDC5}"/>
+              </a:ext>
+            </a:extLst>
+          </p:cNvPr>
+          <p:cNvSpPr>
+            <a:spLocks noGrp="1"/>
+          </p:cNvSpPr>
+          <p:nvPr>
+            <p:ph type="body" sz="quarter" idx="12"/>
+          </p:nvPr>
+        </p:nvSpPr>
+        <p:spPr/>
+        <p:txBody>
+          <a:bodyPr/>
+          <a:lstStyle/>
+          <a:p>
+            <a:r>
+              <a:rPr lang="en-GB" dirty="0"/>
+              <a:t>Demo</a:t>
+            </a:r>
+          </a:p>
+        </p:txBody>
+      </p:sp>
+    </p:spTree>
+    <p:extLst>
+      <p:ext uri="{BB962C8B-B14F-4D97-AF65-F5344CB8AC3E}">
+        <p14:creationId xmlns:p14="http://schemas.microsoft.com/office/powerpoint/2010/main" val="3772553013"/>
+      </p:ext>
+    </p:extLst>
+  </p:cSld>
+  <p:clrMapOvr>
+    <a:masterClrMapping/>
+  </p:clrMapOvr>
+  <mc:AlternateContent xmlns:mc="http://schemas.openxmlformats.org/markup-compatibility/2006" xmlns:p14="http://schemas.microsoft.com/office/powerpoint/2010/main">
+    <mc:Choice Requires="p14">
+      <p:transition spd="med" p14:dur="700">
+        <p:fade/>
+      </p:transition>
+    </mc:Choice>
+    <mc:Fallback xmlns="">
+      <p:transition spd="med">
+        <p:fade/>
+      </p:transition>
+    </mc:Fallback>
+  </mc:AlternateContent>
+</p:sld>
+</file>
+
+<file path=ppt/slides/slide11.xml><?xml version="1.0" encoding="utf-8"?>
+<p:sld xmlns:a="http://schemas.openxmlformats.org/drawingml/2006/main" xmlns:r="http://schemas.openxmlformats.org/officeDocument/2006/relationships" xmlns:p="http://schemas.openxmlformats.org/presentationml/2006/main">
+  <p:cSld>
+    <p:spTree>
+      <p:nvGrpSpPr>
+        <p:cNvPr id="1" name=""/>
+        <p:cNvGrpSpPr/>
+        <p:nvPr/>
+      </p:nvGrpSpPr>
+      <p:grpSpPr>
+        <a:xfrm>
+          <a:off x="0" y="0"/>
+          <a:ext cx="0" cy="0"/>
+          <a:chOff x="0" y="0"/>
+          <a:chExt cx="0" cy="0"/>
+        </a:xfrm>
+      </p:grpSpPr>
+      <p:sp>
+        <p:nvSpPr>
           <p:cNvPr id="4" name="Title 3">
             <a:extLst>
               <a:ext uri="{FF2B5EF4-FFF2-40B4-BE49-F238E27FC236}">
@@ -28401,7 +28631,7 @@
           <a:p>
             <a:r>
               <a:rPr lang="en-GB" dirty="0"/>
-              <a:t>Workspaces</a:t>
+              <a:t>Local Workspaces</a:t>
             </a:r>
           </a:p>
         </p:txBody>
@@ -28431,7 +28661,7 @@
 </p:sld>
 </file>
 
-<file path=ppt/slides/slide11.xml><?xml version="1.0" encoding="utf-8"?>
+<file path=ppt/slides/slide12.xml><?xml version="1.0" encoding="utf-8"?>
 <p:sld xmlns:a="http://schemas.openxmlformats.org/drawingml/2006/main" xmlns:r="http://schemas.openxmlformats.org/officeDocument/2006/relationships" xmlns:p="http://schemas.openxmlformats.org/presentationml/2006/main">
   <p:cSld>
     <p:spTree>
@@ -28721,7 +28951,7 @@
 </p:sld>
 </file>
 
-<file path=ppt/slides/slide12.xml><?xml version="1.0" encoding="utf-8"?>
+<file path=ppt/slides/slide13.xml><?xml version="1.0" encoding="utf-8"?>
 <p:sld xmlns:a="http://schemas.openxmlformats.org/drawingml/2006/main" xmlns:r="http://schemas.openxmlformats.org/officeDocument/2006/relationships" xmlns:p="http://schemas.openxmlformats.org/presentationml/2006/main">
   <p:cSld>
     <p:spTree>
@@ -29439,7 +29669,7 @@
 </p:sld>
 </file>
 
-<file path=ppt/slides/slide13.xml><?xml version="1.0" encoding="utf-8"?>
+<file path=ppt/slides/slide14.xml><?xml version="1.0" encoding="utf-8"?>
 <p:sld xmlns:a="http://schemas.openxmlformats.org/drawingml/2006/main" xmlns:r="http://schemas.openxmlformats.org/officeDocument/2006/relationships" xmlns:p="http://schemas.openxmlformats.org/presentationml/2006/main">
   <p:cSld>
     <p:spTree>
@@ -29537,7 +29767,7 @@
 </p:sld>
 </file>
 
-<file path=ppt/slides/slide14.xml><?xml version="1.0" encoding="utf-8"?>
+<file path=ppt/slides/slide15.xml><?xml version="1.0" encoding="utf-8"?>
 <p:sld xmlns:a="http://schemas.openxmlformats.org/drawingml/2006/main" xmlns:r="http://schemas.openxmlformats.org/officeDocument/2006/relationships" xmlns:p="http://schemas.openxmlformats.org/presentationml/2006/main">
   <p:cSld>
     <p:spTree>
@@ -29612,7 +29842,7 @@
 </p:sld>
 </file>
 
-<file path=ppt/slides/slide15.xml><?xml version="1.0" encoding="utf-8"?>
+<file path=ppt/slides/slide16.xml><?xml version="1.0" encoding="utf-8"?>
 <p:sld xmlns:a="http://schemas.openxmlformats.org/drawingml/2006/main" xmlns:r="http://schemas.openxmlformats.org/officeDocument/2006/relationships" xmlns:p="http://schemas.openxmlformats.org/presentationml/2006/main">
   <p:cSld>
     <p:spTree>
@@ -30102,7 +30332,7 @@
 </p:sld>
 </file>
 
-<file path=ppt/slides/slide16.xml><?xml version="1.0" encoding="utf-8"?>
+<file path=ppt/slides/slide17.xml><?xml version="1.0" encoding="utf-8"?>
 <p:sld xmlns:a="http://schemas.openxmlformats.org/drawingml/2006/main" xmlns:r="http://schemas.openxmlformats.org/officeDocument/2006/relationships" xmlns:p="http://schemas.openxmlformats.org/presentationml/2006/main">
   <p:cSld>
     <p:spTree>
@@ -30200,7 +30430,7 @@
 </p:sld>
 </file>
 
-<file path=ppt/slides/slide17.xml><?xml version="1.0" encoding="utf-8"?>
+<file path=ppt/slides/slide18.xml><?xml version="1.0" encoding="utf-8"?>
 <p:sld xmlns:a="http://schemas.openxmlformats.org/drawingml/2006/main" xmlns:r="http://schemas.openxmlformats.org/officeDocument/2006/relationships" xmlns:p="http://schemas.openxmlformats.org/presentationml/2006/main">
   <p:cSld>
     <p:spTree>
@@ -30295,7 +30525,7 @@
 </p:sld>
 </file>
 
-<file path=ppt/slides/slide18.xml><?xml version="1.0" encoding="utf-8"?>
+<file path=ppt/slides/slide19.xml><?xml version="1.0" encoding="utf-8"?>
 <p:sld xmlns:a="http://schemas.openxmlformats.org/drawingml/2006/main" xmlns:r="http://schemas.openxmlformats.org/officeDocument/2006/relationships" xmlns:p="http://schemas.openxmlformats.org/presentationml/2006/main">
   <p:cSld>
     <p:spTree>
@@ -31028,6 +31258,372 @@
 </file>
 
 <file path=ppt/slides/slide6.xml><?xml version="1.0" encoding="utf-8"?>
+<p:sld xmlns:a="http://schemas.openxmlformats.org/drawingml/2006/main" xmlns:r="http://schemas.openxmlformats.org/officeDocument/2006/relationships" xmlns:p="http://schemas.openxmlformats.org/presentationml/2006/main">
+  <p:cSld>
+    <p:spTree>
+      <p:nvGrpSpPr>
+        <p:cNvPr id="1" name=""/>
+        <p:cNvGrpSpPr/>
+        <p:nvPr/>
+      </p:nvGrpSpPr>
+      <p:grpSpPr>
+        <a:xfrm>
+          <a:off x="0" y="0"/>
+          <a:ext cx="0" cy="0"/>
+          <a:chOff x="0" y="0"/>
+          <a:chExt cx="0" cy="0"/>
+        </a:xfrm>
+      </p:grpSpPr>
+      <p:sp>
+        <p:nvSpPr>
+          <p:cNvPr id="2" name="Title 1">
+            <a:extLst>
+              <a:ext uri="{FF2B5EF4-FFF2-40B4-BE49-F238E27FC236}">
+                <a16:creationId xmlns:a16="http://schemas.microsoft.com/office/drawing/2014/main" id="{AA3A5F47-24FC-5A16-45D6-BA1B7273B019}"/>
+              </a:ext>
+            </a:extLst>
+          </p:cNvPr>
+          <p:cNvSpPr>
+            <a:spLocks noGrp="1"/>
+          </p:cNvSpPr>
+          <p:nvPr>
+            <p:ph type="title"/>
+          </p:nvPr>
+        </p:nvSpPr>
+        <p:spPr/>
+        <p:txBody>
+          <a:bodyPr/>
+          <a:lstStyle/>
+          <a:p>
+            <a:r>
+              <a:rPr lang="en-GB" dirty="0"/>
+              <a:t>State File Fundamentals</a:t>
+            </a:r>
+          </a:p>
+        </p:txBody>
+      </p:sp>
+      <p:sp>
+        <p:nvSpPr>
+          <p:cNvPr id="3" name="Content Placeholder 2">
+            <a:extLst>
+              <a:ext uri="{FF2B5EF4-FFF2-40B4-BE49-F238E27FC236}">
+                <a16:creationId xmlns:a16="http://schemas.microsoft.com/office/drawing/2014/main" id="{D92D238D-6C4E-BF00-0A60-01A5209E2AF5}"/>
+              </a:ext>
+            </a:extLst>
+          </p:cNvPr>
+          <p:cNvSpPr>
+            <a:spLocks noGrp="1"/>
+          </p:cNvSpPr>
+          <p:nvPr>
+            <p:ph sz="quarter" idx="10"/>
+          </p:nvPr>
+        </p:nvSpPr>
+        <p:spPr>
+          <a:xfrm>
+            <a:off x="584200" y="1844675"/>
+            <a:ext cx="11018838" cy="4333494"/>
+          </a:xfrm>
+        </p:spPr>
+        <p:txBody>
+          <a:bodyPr/>
+          <a:lstStyle/>
+          <a:p>
+            <a:pPr marL="457200" indent="-457200">
+              <a:buFont typeface="Arial" panose="020B0604020202020204" pitchFamily="34" charset="0"/>
+              <a:buChar char="•"/>
+            </a:pPr>
+            <a:r>
+              <a:rPr lang="en-GB" dirty="0"/>
+              <a:t>State files are required to manage a resource past day 1</a:t>
+            </a:r>
+          </a:p>
+          <a:p>
+            <a:pPr marL="457200" indent="-457200">
+              <a:buFont typeface="Arial" panose="020B0604020202020204" pitchFamily="34" charset="0"/>
+              <a:buChar char="•"/>
+            </a:pPr>
+            <a:r>
+              <a:rPr lang="en-GB" dirty="0"/>
+              <a:t>State files can contain secrets</a:t>
+            </a:r>
+          </a:p>
+          <a:p>
+            <a:pPr marL="457200" indent="-457200">
+              <a:buFont typeface="Arial" panose="020B0604020202020204" pitchFamily="34" charset="0"/>
+              <a:buChar char="•"/>
+            </a:pPr>
+            <a:r>
+              <a:rPr lang="en-GB" dirty="0"/>
+              <a:t>Local state files cannot be used for a team size of &gt;1</a:t>
+            </a:r>
+          </a:p>
+          <a:p>
+            <a:pPr marL="457200" indent="-457200">
+              <a:buFont typeface="Arial" panose="020B0604020202020204" pitchFamily="34" charset="0"/>
+              <a:buChar char="•"/>
+            </a:pPr>
+            <a:r>
+              <a:rPr lang="en-GB" dirty="0"/>
+              <a:t>Continuous Delivery pipelines need access to state files</a:t>
+            </a:r>
+          </a:p>
+          <a:p>
+            <a:pPr marL="457200" indent="-457200">
+              <a:buFont typeface="Arial" panose="020B0604020202020204" pitchFamily="34" charset="0"/>
+              <a:buChar char="•"/>
+            </a:pPr>
+            <a:r>
+              <a:rPr lang="en-GB" dirty="0"/>
+              <a:t>State file locking is important</a:t>
+            </a:r>
+          </a:p>
+          <a:p>
+            <a:pPr marL="457200" indent="-457200">
+              <a:buFont typeface="Arial" panose="020B0604020202020204" pitchFamily="34" charset="0"/>
+              <a:buChar char="•"/>
+            </a:pPr>
+            <a:r>
+              <a:rPr lang="en-GB" dirty="0"/>
+              <a:t>Granular permissions are not supported with open source Terraform</a:t>
+            </a:r>
+          </a:p>
+          <a:p>
+            <a:pPr marL="914400" lvl="1" indent="-457200">
+              <a:buFont typeface="Arial" panose="020B0604020202020204" pitchFamily="34" charset="0"/>
+              <a:buChar char="•"/>
+            </a:pPr>
+            <a:r>
+              <a:rPr lang="en-GB" dirty="0"/>
+              <a:t>If outputs are required, full state file access is required</a:t>
+            </a:r>
+          </a:p>
+          <a:p>
+            <a:pPr marL="457200" indent="-457200">
+              <a:buFont typeface="Arial" panose="020B0604020202020204" pitchFamily="34" charset="0"/>
+              <a:buChar char="•"/>
+            </a:pPr>
+            <a:r>
+              <a:rPr lang="en-GB" dirty="0"/>
+              <a:t>State files contain multi-cloud data that can be mined</a:t>
+            </a:r>
+          </a:p>
+        </p:txBody>
+      </p:sp>
+    </p:spTree>
+    <p:extLst>
+      <p:ext uri="{BB962C8B-B14F-4D97-AF65-F5344CB8AC3E}">
+        <p14:creationId xmlns:p14="http://schemas.microsoft.com/office/powerpoint/2010/main" val="30852651"/>
+      </p:ext>
+    </p:extLst>
+  </p:cSld>
+  <p:clrMapOvr>
+    <a:masterClrMapping/>
+  </p:clrMapOvr>
+  <p:transition>
+    <p:fade/>
+  </p:transition>
+</p:sld>
+</file>
+
+<file path=ppt/slides/slide7.xml><?xml version="1.0" encoding="utf-8"?>
+<p:sld xmlns:a="http://schemas.openxmlformats.org/drawingml/2006/main" xmlns:r="http://schemas.openxmlformats.org/officeDocument/2006/relationships" xmlns:p="http://schemas.openxmlformats.org/presentationml/2006/main">
+  <p:cSld>
+    <p:spTree>
+      <p:nvGrpSpPr>
+        <p:cNvPr id="1" name=""/>
+        <p:cNvGrpSpPr/>
+        <p:nvPr/>
+      </p:nvGrpSpPr>
+      <p:grpSpPr>
+        <a:xfrm>
+          <a:off x="0" y="0"/>
+          <a:ext cx="0" cy="0"/>
+          <a:chOff x="0" y="0"/>
+          <a:chExt cx="0" cy="0"/>
+        </a:xfrm>
+      </p:grpSpPr>
+      <p:sp>
+        <p:nvSpPr>
+          <p:cNvPr id="2" name="Title 1">
+            <a:extLst>
+              <a:ext uri="{FF2B5EF4-FFF2-40B4-BE49-F238E27FC236}">
+                <a16:creationId xmlns:a16="http://schemas.microsoft.com/office/drawing/2014/main" id="{AA3A5F47-24FC-5A16-45D6-BA1B7273B019}"/>
+              </a:ext>
+            </a:extLst>
+          </p:cNvPr>
+          <p:cNvSpPr>
+            <a:spLocks noGrp="1"/>
+          </p:cNvSpPr>
+          <p:nvPr>
+            <p:ph type="title"/>
+          </p:nvPr>
+        </p:nvSpPr>
+        <p:spPr/>
+        <p:txBody>
+          <a:bodyPr/>
+          <a:lstStyle/>
+          <a:p>
+            <a:r>
+              <a:rPr lang="en-GB" dirty="0"/>
+              <a:t>State File Scaling and Security</a:t>
+            </a:r>
+          </a:p>
+        </p:txBody>
+      </p:sp>
+      <p:sp>
+        <p:nvSpPr>
+          <p:cNvPr id="3" name="Content Placeholder 2">
+            <a:extLst>
+              <a:ext uri="{FF2B5EF4-FFF2-40B4-BE49-F238E27FC236}">
+                <a16:creationId xmlns:a16="http://schemas.microsoft.com/office/drawing/2014/main" id="{D92D238D-6C4E-BF00-0A60-01A5209E2AF5}"/>
+              </a:ext>
+            </a:extLst>
+          </p:cNvPr>
+          <p:cNvSpPr>
+            <a:spLocks noGrp="1"/>
+          </p:cNvSpPr>
+          <p:nvPr>
+            <p:ph sz="quarter" idx="10"/>
+          </p:nvPr>
+        </p:nvSpPr>
+        <p:spPr>
+          <a:xfrm>
+            <a:off x="584200" y="1844675"/>
+            <a:ext cx="11018838" cy="4862870"/>
+          </a:xfrm>
+        </p:spPr>
+        <p:txBody>
+          <a:bodyPr/>
+          <a:lstStyle/>
+          <a:p>
+            <a:pPr marL="457200" indent="-457200">
+              <a:buFont typeface="Arial" panose="020B0604020202020204" pitchFamily="34" charset="0"/>
+              <a:buChar char="•"/>
+            </a:pPr>
+            <a:r>
+              <a:rPr lang="en-GB" dirty="0"/>
+              <a:t>Remote State must be used</a:t>
+            </a:r>
+          </a:p>
+          <a:p>
+            <a:pPr marL="457200" indent="-457200">
+              <a:buFont typeface="Arial" panose="020B0604020202020204" pitchFamily="34" charset="0"/>
+              <a:buChar char="•"/>
+            </a:pPr>
+            <a:r>
+              <a:rPr lang="en-GB" dirty="0"/>
+              <a:t>For Azure: Blob Storage or Terraform Cloud / Enterprise</a:t>
+            </a:r>
+          </a:p>
+          <a:p>
+            <a:pPr marL="457200" indent="-457200">
+              <a:buFont typeface="Arial" panose="020B0604020202020204" pitchFamily="34" charset="0"/>
+              <a:buChar char="•"/>
+            </a:pPr>
+            <a:r>
+              <a:rPr lang="en-GB" dirty="0"/>
+              <a:t>Blob Storage structure</a:t>
+            </a:r>
+          </a:p>
+          <a:p>
+            <a:pPr marL="914400" lvl="1" indent="-457200">
+              <a:buFont typeface="Arial" panose="020B0604020202020204" pitchFamily="34" charset="0"/>
+              <a:buChar char="•"/>
+            </a:pPr>
+            <a:r>
+              <a:rPr lang="en-GB" dirty="0"/>
+              <a:t>Single storage account with a single container</a:t>
+            </a:r>
+          </a:p>
+          <a:p>
+            <a:pPr marL="914400" lvl="1" indent="-457200">
+              <a:buFont typeface="Arial" panose="020B0604020202020204" pitchFamily="34" charset="0"/>
+              <a:buChar char="•"/>
+            </a:pPr>
+            <a:r>
+              <a:rPr lang="en-GB" dirty="0"/>
+              <a:t>Single storage account with multiple containers</a:t>
+            </a:r>
+          </a:p>
+          <a:p>
+            <a:pPr marL="914400" lvl="1" indent="-457200">
+              <a:buFont typeface="Arial" panose="020B0604020202020204" pitchFamily="34" charset="0"/>
+              <a:buChar char="•"/>
+            </a:pPr>
+            <a:r>
+              <a:rPr lang="en-GB" dirty="0"/>
+              <a:t>Storage account per subscription, resource group or resource</a:t>
+            </a:r>
+          </a:p>
+          <a:p>
+            <a:pPr marL="457200" indent="-457200">
+              <a:buFont typeface="Arial" panose="020B0604020202020204" pitchFamily="34" charset="0"/>
+              <a:buChar char="•"/>
+            </a:pPr>
+            <a:r>
+              <a:rPr lang="en-GB" dirty="0"/>
+              <a:t>Terraform Cloud / Enterprise granular security</a:t>
+            </a:r>
+          </a:p>
+          <a:p>
+            <a:pPr marL="914400" lvl="1" indent="-457200">
+              <a:buFont typeface="Arial" panose="020B0604020202020204" pitchFamily="34" charset="0"/>
+              <a:buChar char="•"/>
+            </a:pPr>
+            <a:r>
+              <a:rPr lang="en-GB" dirty="0"/>
+              <a:t>View runs, but no access to state file</a:t>
+            </a:r>
+          </a:p>
+          <a:p>
+            <a:pPr marL="914400" lvl="1" indent="-457200">
+              <a:buFont typeface="Arial" panose="020B0604020202020204" pitchFamily="34" charset="0"/>
+              <a:buChar char="•"/>
+            </a:pPr>
+            <a:r>
+              <a:rPr lang="en-GB" dirty="0"/>
+              <a:t>Only access to outputs and not full state file</a:t>
+            </a:r>
+          </a:p>
+          <a:p>
+            <a:pPr marL="457200" indent="-457200">
+              <a:buFont typeface="Arial" panose="020B0604020202020204" pitchFamily="34" charset="0"/>
+              <a:buChar char="•"/>
+            </a:pPr>
+            <a:r>
+              <a:rPr lang="en-GB" dirty="0"/>
+              <a:t>Use principle of least privilege and automate creation</a:t>
+            </a:r>
+          </a:p>
+          <a:p>
+            <a:pPr marL="457200" indent="-457200">
+              <a:buFont typeface="Arial" panose="020B0604020202020204" pitchFamily="34" charset="0"/>
+              <a:buChar char="•"/>
+            </a:pPr>
+            <a:r>
+              <a:rPr lang="en-GB" dirty="0"/>
+              <a:t>Use Zero-Trust: OpenID Connect or Managed Service Identity</a:t>
+            </a:r>
+          </a:p>
+        </p:txBody>
+      </p:sp>
+    </p:spTree>
+    <p:extLst>
+      <p:ext uri="{BB962C8B-B14F-4D97-AF65-F5344CB8AC3E}">
+        <p14:creationId xmlns:p14="http://schemas.microsoft.com/office/powerpoint/2010/main" val="2040509504"/>
+      </p:ext>
+    </p:extLst>
+  </p:cSld>
+  <p:clrMapOvr>
+    <a:masterClrMapping/>
+  </p:clrMapOvr>
+  <p:transition>
+    <p:fade/>
+  </p:transition>
+</p:sld>
+</file>
+
+<file path=ppt/slides/slide8.xml><?xml version="1.0" encoding="utf-8"?>
 <p:sld xmlns:a="http://schemas.openxmlformats.org/drawingml/2006/main" xmlns:r="http://schemas.openxmlformats.org/officeDocument/2006/relationships" xmlns:p="http://schemas.openxmlformats.org/presentationml/2006/main">
   <p:cSld>
     <p:spTree>
@@ -32086,7 +32682,7 @@
 </p:sld>
 </file>
 
-<file path=ppt/slides/slide7.xml><?xml version="1.0" encoding="utf-8"?>
+<file path=ppt/slides/slide9.xml><?xml version="1.0" encoding="utf-8"?>
 <p:sld xmlns:a="http://schemas.openxmlformats.org/drawingml/2006/main" xmlns:r="http://schemas.openxmlformats.org/officeDocument/2006/relationships" xmlns:p="http://schemas.openxmlformats.org/presentationml/2006/main">
   <p:cSld>
     <p:spTree>
@@ -32571,308 +33167,6 @@
       <p:bldP spid="14" grpId="0"/>
     </p:bldLst>
   </p:timing>
-</p:sld>
-</file>
-
-<file path=ppt/slides/slide8.xml><?xml version="1.0" encoding="utf-8"?>
-<p:sld xmlns:a="http://schemas.openxmlformats.org/drawingml/2006/main" xmlns:r="http://schemas.openxmlformats.org/officeDocument/2006/relationships" xmlns:p="http://schemas.openxmlformats.org/presentationml/2006/main">
-  <p:cSld>
-    <p:spTree>
-      <p:nvGrpSpPr>
-        <p:cNvPr id="1" name=""/>
-        <p:cNvGrpSpPr/>
-        <p:nvPr/>
-      </p:nvGrpSpPr>
-      <p:grpSpPr>
-        <a:xfrm>
-          <a:off x="0" y="0"/>
-          <a:ext cx="0" cy="0"/>
-          <a:chOff x="0" y="0"/>
-          <a:chExt cx="0" cy="0"/>
-        </a:xfrm>
-      </p:grpSpPr>
-      <p:sp>
-        <p:nvSpPr>
-          <p:cNvPr id="2" name="Title 1">
-            <a:extLst>
-              <a:ext uri="{FF2B5EF4-FFF2-40B4-BE49-F238E27FC236}">
-                <a16:creationId xmlns:a16="http://schemas.microsoft.com/office/drawing/2014/main" id="{B8823E95-D10F-42A0-A75E-E2B812A67602}"/>
-              </a:ext>
-            </a:extLst>
-          </p:cNvPr>
-          <p:cNvSpPr>
-            <a:spLocks noGrp="1"/>
-          </p:cNvSpPr>
-          <p:nvPr>
-            <p:ph type="title"/>
-          </p:nvPr>
-        </p:nvSpPr>
-        <p:spPr/>
-        <p:txBody>
-          <a:bodyPr/>
-          <a:lstStyle/>
-          <a:p>
-            <a:r>
-              <a:rPr lang="en-GB" dirty="0"/>
-              <a:t>Remote State using Azure Storage</a:t>
-            </a:r>
-          </a:p>
-        </p:txBody>
-      </p:sp>
-      <p:sp>
-        <p:nvSpPr>
-          <p:cNvPr id="3" name="Text Placeholder 2">
-            <a:extLst>
-              <a:ext uri="{FF2B5EF4-FFF2-40B4-BE49-F238E27FC236}">
-                <a16:creationId xmlns:a16="http://schemas.microsoft.com/office/drawing/2014/main" id="{E5488FDD-7E59-4CF0-A6DD-FF3D004FBDC5}"/>
-              </a:ext>
-            </a:extLst>
-          </p:cNvPr>
-          <p:cNvSpPr>
-            <a:spLocks noGrp="1"/>
-          </p:cNvSpPr>
-          <p:nvPr>
-            <p:ph type="body" sz="quarter" idx="12"/>
-          </p:nvPr>
-        </p:nvSpPr>
-        <p:spPr/>
-        <p:txBody>
-          <a:bodyPr/>
-          <a:lstStyle/>
-          <a:p>
-            <a:r>
-              <a:rPr lang="en-GB" dirty="0"/>
-              <a:t>Demo</a:t>
-            </a:r>
-          </a:p>
-        </p:txBody>
-      </p:sp>
-    </p:spTree>
-    <p:extLst>
-      <p:ext uri="{BB962C8B-B14F-4D97-AF65-F5344CB8AC3E}">
-        <p14:creationId xmlns:p14="http://schemas.microsoft.com/office/powerpoint/2010/main" val="3772553013"/>
-      </p:ext>
-    </p:extLst>
-  </p:cSld>
-  <p:clrMapOvr>
-    <a:masterClrMapping/>
-  </p:clrMapOvr>
-  <mc:AlternateContent xmlns:mc="http://schemas.openxmlformats.org/markup-compatibility/2006" xmlns:p14="http://schemas.microsoft.com/office/powerpoint/2010/main">
-    <mc:Choice Requires="p14">
-      <p:transition spd="med" p14:dur="700">
-        <p:fade/>
-      </p:transition>
-    </mc:Choice>
-    <mc:Fallback xmlns="">
-      <p:transition spd="med">
-        <p:fade/>
-      </p:transition>
-    </mc:Fallback>
-  </mc:AlternateContent>
-</p:sld>
-</file>
-
-<file path=ppt/slides/slide9.xml><?xml version="1.0" encoding="utf-8"?>
-<p:sld xmlns:a="http://schemas.openxmlformats.org/drawingml/2006/main" xmlns:r="http://schemas.openxmlformats.org/officeDocument/2006/relationships" xmlns:p="http://schemas.openxmlformats.org/presentationml/2006/main" show="0">
-  <p:cSld>
-    <p:spTree>
-      <p:nvGrpSpPr>
-        <p:cNvPr id="1" name=""/>
-        <p:cNvGrpSpPr/>
-        <p:nvPr/>
-      </p:nvGrpSpPr>
-      <p:grpSpPr>
-        <a:xfrm>
-          <a:off x="0" y="0"/>
-          <a:ext cx="0" cy="0"/>
-          <a:chOff x="0" y="0"/>
-          <a:chExt cx="0" cy="0"/>
-        </a:xfrm>
-      </p:grpSpPr>
-      <p:sp>
-        <p:nvSpPr>
-          <p:cNvPr id="4" name="Title 3">
-            <a:extLst>
-              <a:ext uri="{FF2B5EF4-FFF2-40B4-BE49-F238E27FC236}">
-                <a16:creationId xmlns:a16="http://schemas.microsoft.com/office/drawing/2014/main" id="{82F76F1A-E2AC-43C0-80AD-CCD37E8452D7}"/>
-              </a:ext>
-            </a:extLst>
-          </p:cNvPr>
-          <p:cNvSpPr>
-            <a:spLocks noGrp="1"/>
-          </p:cNvSpPr>
-          <p:nvPr>
-            <p:ph type="title"/>
-          </p:nvPr>
-        </p:nvSpPr>
-        <p:spPr>
-          <a:xfrm>
-            <a:off x="588263" y="3150414"/>
-            <a:ext cx="3182027" cy="553998"/>
-          </a:xfrm>
-        </p:spPr>
-        <p:txBody>
-          <a:bodyPr/>
-          <a:lstStyle/>
-          <a:p>
-            <a:r>
-              <a:rPr lang="en-US" dirty="0"/>
-              <a:t>Day 2</a:t>
-            </a:r>
-            <a:endParaRPr lang="en-GB" dirty="0"/>
-          </a:p>
-        </p:txBody>
-      </p:sp>
-      <p:sp>
-        <p:nvSpPr>
-          <p:cNvPr id="5" name="Text Placeholder 4">
-            <a:extLst>
-              <a:ext uri="{FF2B5EF4-FFF2-40B4-BE49-F238E27FC236}">
-                <a16:creationId xmlns:a16="http://schemas.microsoft.com/office/drawing/2014/main" id="{84D93C38-5632-41E1-A0FC-71E6F97BECD0}"/>
-              </a:ext>
-            </a:extLst>
-          </p:cNvPr>
-          <p:cNvSpPr>
-            <a:spLocks noGrp="1"/>
-          </p:cNvSpPr>
-          <p:nvPr>
-            <p:ph type="body" sz="quarter" idx="11"/>
-          </p:nvPr>
-        </p:nvSpPr>
-        <p:spPr>
-          <a:xfrm>
-            <a:off x="4917679" y="128048"/>
-            <a:ext cx="7008065" cy="7152727"/>
-          </a:xfrm>
-        </p:spPr>
-        <p:txBody>
-          <a:bodyPr/>
-          <a:lstStyle/>
-          <a:p>
-            <a:r>
-              <a:rPr lang="en-US" dirty="0"/>
-              <a:t>Deep-Dive into DevOps with Terraform</a:t>
-            </a:r>
-          </a:p>
-          <a:p>
-            <a:pPr marL="457200" indent="-457200">
-              <a:buFont typeface="Arial" panose="020B0604020202020204" pitchFamily="34" charset="0"/>
-              <a:buChar char="•"/>
-            </a:pPr>
-            <a:r>
-              <a:rPr lang="en-US" dirty="0"/>
-              <a:t>Walk through the </a:t>
-            </a:r>
-            <a:r>
-              <a:rPr lang="en-US" dirty="0" err="1"/>
-              <a:t>azenv</a:t>
-            </a:r>
-            <a:r>
-              <a:rPr lang="en-US" dirty="0"/>
-              <a:t> project</a:t>
-            </a:r>
-          </a:p>
-          <a:p>
-            <a:pPr marL="457200" indent="-457200">
-              <a:buFont typeface="Arial" panose="020B0604020202020204" pitchFamily="34" charset="0"/>
-              <a:buChar char="•"/>
-            </a:pPr>
-            <a:r>
-              <a:rPr lang="en-US" dirty="0"/>
-              <a:t>Go through the workflow</a:t>
-            </a:r>
-          </a:p>
-          <a:p>
-            <a:r>
-              <a:rPr lang="en-US" dirty="0"/>
-              <a:t>A few advanced constructs</a:t>
-            </a:r>
-          </a:p>
-          <a:p>
-            <a:pPr marL="457200" indent="-457200">
-              <a:buFont typeface="Arial" panose="020B0604020202020204" pitchFamily="34" charset="0"/>
-              <a:buChar char="•"/>
-            </a:pPr>
-            <a:r>
-              <a:rPr lang="en-US" dirty="0"/>
-              <a:t>Dynamic blocks</a:t>
-            </a:r>
-          </a:p>
-          <a:p>
-            <a:pPr marL="457200" indent="-457200">
-              <a:buFont typeface="Arial" panose="020B0604020202020204" pitchFamily="34" charset="0"/>
-              <a:buChar char="•"/>
-            </a:pPr>
-            <a:r>
-              <a:rPr lang="en-US" dirty="0"/>
-              <a:t>Foreach</a:t>
-            </a:r>
-          </a:p>
-          <a:p>
-            <a:r>
-              <a:rPr lang="en-US" dirty="0"/>
-              <a:t>Niche Areas</a:t>
-            </a:r>
-          </a:p>
-          <a:p>
-            <a:pPr marL="457200" indent="-457200">
-              <a:buFont typeface="Arial" panose="020B0604020202020204" pitchFamily="34" charset="0"/>
-              <a:buChar char="•"/>
-            </a:pPr>
-            <a:r>
-              <a:rPr lang="en-US" dirty="0"/>
-              <a:t>Workspaces</a:t>
-            </a:r>
-          </a:p>
-          <a:p>
-            <a:pPr marL="457200" indent="-457200">
-              <a:buFont typeface="Arial" panose="020B0604020202020204" pitchFamily="34" charset="0"/>
-              <a:buChar char="•"/>
-            </a:pPr>
-            <a:r>
-              <a:rPr lang="en-US" dirty="0"/>
-              <a:t>Provisioners</a:t>
-            </a:r>
-          </a:p>
-          <a:p>
-            <a:r>
-              <a:rPr lang="en-GB" dirty="0"/>
-              <a:t>Refactoring Discussions</a:t>
-            </a:r>
-          </a:p>
-          <a:p>
-            <a:r>
-              <a:rPr lang="en-GB" dirty="0"/>
-              <a:t>Other Provider examples (Helm, Docker, etc)</a:t>
-            </a:r>
-          </a:p>
-          <a:p>
-            <a:endParaRPr lang="en-GB" dirty="0"/>
-          </a:p>
-          <a:p>
-            <a:r>
-              <a:rPr lang="en-GB" dirty="0"/>
-              <a:t>Ansible Session in the afternoon</a:t>
-            </a:r>
-          </a:p>
-          <a:p>
-            <a:endParaRPr lang="en-GB" dirty="0"/>
-          </a:p>
-        </p:txBody>
-      </p:sp>
-    </p:spTree>
-    <p:extLst>
-      <p:ext uri="{BB962C8B-B14F-4D97-AF65-F5344CB8AC3E}">
-        <p14:creationId xmlns:p14="http://schemas.microsoft.com/office/powerpoint/2010/main" val="2547490301"/>
-      </p:ext>
-    </p:extLst>
-  </p:cSld>
-  <p:clrMapOvr>
-    <a:masterClrMapping/>
-  </p:clrMapOvr>
-  <p:transition>
-    <p:fade/>
-  </p:transition>
 </p:sld>
 </file>
 
@@ -33716,6 +34010,15 @@
 </file>
 
 <file path=customXml/item1.xml><?xml version="1.0" encoding="utf-8"?>
+<?mso-contentType ?>
+<FormTemplates xmlns="http://schemas.microsoft.com/sharepoint/v3/contenttype/forms">
+  <Display>DocumentLibraryForm</Display>
+  <Edit>DocumentLibraryForm</Edit>
+  <New>DocumentLibraryForm</New>
+</FormTemplates>
+</file>
+
+<file path=customXml/item2.xml><?xml version="1.0" encoding="utf-8"?>
 <ct:contentTypeSchema xmlns:ct="http://schemas.microsoft.com/office/2006/metadata/contentType" xmlns:ma="http://schemas.microsoft.com/office/2006/metadata/properties/metaAttributes" ct:_="" ma:_="" ma:contentTypeName="Document" ma:contentTypeID="0x010100581AC3C96BC25B49BAADFDD2709736A2" ma:contentTypeVersion="13" ma:contentTypeDescription="Create a new document." ma:contentTypeScope="" ma:versionID="46d05e5ad3e10e23d0d91d2c812a342c">
   <xsd:schema xmlns:xsd="http://www.w3.org/2001/XMLSchema" xmlns:xs="http://www.w3.org/2001/XMLSchema" xmlns:p="http://schemas.microsoft.com/office/2006/metadata/properties" xmlns:ns3="61d4b2b7-c11c-4679-a498-c69870ddf3ad" xmlns:ns4="53207a91-4873-4278-88cd-3a5c1985bff7" targetNamespace="http://schemas.microsoft.com/office/2006/metadata/properties" ma:root="true" ma:fieldsID="23414a13395756fa7b20173620af81aa" ns3:_="" ns4:_="">
     <xsd:import namespace="61d4b2b7-c11c-4679-a498-c69870ddf3ad"/>
@@ -33938,7 +34241,7 @@
 </ct:contentTypeSchema>
 </file>
 
-<file path=customXml/item2.xml><?xml version="1.0" encoding="utf-8"?>
+<file path=customXml/item3.xml><?xml version="1.0" encoding="utf-8"?>
 <p:properties xmlns:p="http://schemas.microsoft.com/office/2006/metadata/properties" xmlns:pc="http://schemas.microsoft.com/office/infopath/2007/PartnerControls" xmlns:xsi="http://www.w3.org/2001/XMLSchema-instance">
   <documentManagement>
     <SharedWithUsers xmlns="53207a91-4873-4278-88cd-3a5c1985bff7">
@@ -33953,16 +34256,15 @@
 </p:properties>
 </file>
 
-<file path=customXml/item3.xml><?xml version="1.0" encoding="utf-8"?>
-<?mso-contentType ?>
-<FormTemplates xmlns="http://schemas.microsoft.com/sharepoint/v3/contenttype/forms">
-  <Display>DocumentLibraryForm</Display>
-  <Edit>DocumentLibraryForm</Edit>
-  <New>DocumentLibraryForm</New>
-</FormTemplates>
+<file path=customXml/itemProps1.xml><?xml version="1.0" encoding="utf-8"?>
+<ds:datastoreItem xmlns:ds="http://schemas.openxmlformats.org/officeDocument/2006/customXml" ds:itemID="{758FDAC0-319D-4A54-8D8E-1D42CB1F8004}">
+  <ds:schemaRefs>
+    <ds:schemaRef ds:uri="http://schemas.microsoft.com/sharepoint/v3/contenttype/forms"/>
+  </ds:schemaRefs>
+</ds:datastoreItem>
 </file>
 
-<file path=customXml/itemProps1.xml><?xml version="1.0" encoding="utf-8"?>
+<file path=customXml/itemProps2.xml><?xml version="1.0" encoding="utf-8"?>
 <ds:datastoreItem xmlns:ds="http://schemas.openxmlformats.org/officeDocument/2006/customXml" ds:itemID="{038AEBA6-4909-4FA6-B3B8-894B7F209BA0}">
   <ds:schemaRefs>
     <ds:schemaRef ds:uri="http://schemas.microsoft.com/office/2006/metadata/contentType"/>
@@ -33981,7 +34283,7 @@
 </ds:datastoreItem>
 </file>
 
-<file path=customXml/itemProps2.xml><?xml version="1.0" encoding="utf-8"?>
+<file path=customXml/itemProps3.xml><?xml version="1.0" encoding="utf-8"?>
 <ds:datastoreItem xmlns:ds="http://schemas.openxmlformats.org/officeDocument/2006/customXml" ds:itemID="{F990F116-B58F-4255-B05B-DA3808E0E5C6}">
   <ds:schemaRefs>
     <ds:schemaRef ds:uri="http://purl.org/dc/dcmitype/"/>
@@ -33998,14 +34300,6 @@
 </ds:datastoreItem>
 </file>
 
-<file path=customXml/itemProps3.xml><?xml version="1.0" encoding="utf-8"?>
-<ds:datastoreItem xmlns:ds="http://schemas.openxmlformats.org/officeDocument/2006/customXml" ds:itemID="{758FDAC0-319D-4A54-8D8E-1D42CB1F8004}">
-  <ds:schemaRefs>
-    <ds:schemaRef ds:uri="http://schemas.microsoft.com/sharepoint/v3/contenttype/forms"/>
-  </ds:schemaRefs>
-</ds:datastoreItem>
-</file>
-
 <file path=docMetadata/LabelInfo.xml><?xml version="1.0" encoding="utf-8"?>
 <clbl:labelList xmlns:clbl="http://schemas.microsoft.com/office/2020/mipLabelMetadata">
   <clbl:label id="{f42aa342-8706-4288-bd11-ebb85995028c}" enabled="1" method="Standard" siteId="{72f988bf-86f1-41af-91ab-2d7cd011db47}" contentBits="0" removed="0"/>

--- a/PPTs/05_state_management_and_provisioners.pptx
+++ b/PPTs/05_state_management_and_provisioners.pptx
@@ -14299,7 +14299,7 @@
               <a:rPr lang="en-US" smtClean="0">
                 <a:latin typeface="Segoe UI" pitchFamily="34" charset="0"/>
               </a:rPr>
-              <a:t>6/29/2023 12:45 PM</a:t>
+              <a:t>7/31/2023 10:33 AM</a:t>
             </a:fld>
             <a:endParaRPr lang="en-US" dirty="0">
               <a:latin typeface="Segoe UI" pitchFamily="34" charset="0"/>
@@ -14577,7 +14577,7 @@
           <a:p>
             <a:fld id="{386CE63F-9E7F-4C04-9D0D-FCA25A8E9E86}" type="datetime8">
               <a:rPr lang="en-US" smtClean="0"/>
-              <a:t>6/29/2023 12:45 PM</a:t>
+              <a:t>7/31/2023 10:33 AM</a:t>
             </a:fld>
             <a:endParaRPr lang="en-US" dirty="0"/>
           </a:p>
@@ -14944,7 +14944,7 @@
           <a:p>
             <a:fld id="{321E5A7B-BB8D-4368-A182-109669521632}" type="datetime8">
               <a:rPr lang="en-US" smtClean="0"/>
-              <a:t>6/29/2023 12:45 PM</a:t>
+              <a:t>7/31/2023 10:33 AM</a:t>
             </a:fld>
             <a:endParaRPr lang="en-US" dirty="0"/>
           </a:p>
@@ -15131,7 +15131,7 @@
           <a:p>
             <a:fld id="{386CE63F-9E7F-4C04-9D0D-FCA25A8E9E86}" type="datetime8">
               <a:rPr lang="en-US" smtClean="0"/>
-              <a:t>6/29/2023 12:45 PM</a:t>
+              <a:t>7/31/2023 10:33 AM</a:t>
             </a:fld>
             <a:endParaRPr lang="en-US" dirty="0"/>
           </a:p>
@@ -15318,7 +15318,7 @@
           <a:p>
             <a:fld id="{386CE63F-9E7F-4C04-9D0D-FCA25A8E9E86}" type="datetime8">
               <a:rPr lang="en-US" smtClean="0"/>
-              <a:t>6/29/2023 12:45 PM</a:t>
+              <a:t>7/31/2023 10:33 AM</a:t>
             </a:fld>
             <a:endParaRPr lang="en-US" dirty="0"/>
           </a:p>
@@ -15499,7 +15499,7 @@
           <a:p>
             <a:fld id="{386CE63F-9E7F-4C04-9D0D-FCA25A8E9E86}" type="datetime8">
               <a:rPr lang="en-US" smtClean="0"/>
-              <a:t>6/29/2023 12:45 PM</a:t>
+              <a:t>7/31/2023 10:33 AM</a:t>
             </a:fld>
             <a:endParaRPr lang="en-US" dirty="0"/>
           </a:p>
@@ -15680,7 +15680,7 @@
           <a:p>
             <a:fld id="{386CE63F-9E7F-4C04-9D0D-FCA25A8E9E86}" type="datetime8">
               <a:rPr lang="en-US" smtClean="0"/>
-              <a:t>6/29/2023 12:45 PM</a:t>
+              <a:t>7/31/2023 10:33 AM</a:t>
             </a:fld>
             <a:endParaRPr lang="en-US" dirty="0"/>
           </a:p>
@@ -15884,7 +15884,7 @@
           <a:p>
             <a:fld id="{386CE63F-9E7F-4C04-9D0D-FCA25A8E9E86}" type="datetime8">
               <a:rPr lang="en-US" smtClean="0"/>
-              <a:t>6/29/2023 12:45 PM</a:t>
+              <a:t>7/31/2023 10:33 AM</a:t>
             </a:fld>
             <a:endParaRPr lang="en-US" dirty="0"/>
           </a:p>
@@ -16065,7 +16065,7 @@
           <a:p>
             <a:fld id="{386CE63F-9E7F-4C04-9D0D-FCA25A8E9E86}" type="datetime8">
               <a:rPr lang="en-US" smtClean="0"/>
-              <a:t>6/29/2023 12:45 PM</a:t>
+              <a:t>7/31/2023 10:33 AM</a:t>
             </a:fld>
             <a:endParaRPr lang="en-US" dirty="0"/>
           </a:p>
@@ -16230,7 +16230,7 @@
           <a:p>
             <a:fld id="{9427A7F7-BB1E-479D-AFAA-B52F4D0C99F2}" type="datetime8">
               <a:rPr lang="en-US" smtClean="0"/>
-              <a:t>6/29/2023 12:45 PM</a:t>
+              <a:t>7/31/2023 10:33 AM</a:t>
             </a:fld>
             <a:endParaRPr lang="en-US" dirty="0"/>
           </a:p>
@@ -16380,7 +16380,7 @@
                   <a:prstClr val="black"/>
                 </a:solidFill>
               </a:rPr>
-              <a:t>6/29/2023 12:45 PM</a:t>
+              <a:t>7/31/2023 10:33 AM</a:t>
             </a:fld>
             <a:endParaRPr lang="en-US" dirty="0">
               <a:solidFill>
@@ -16615,7 +16615,7 @@
           <a:p>
             <a:fld id="{386CE63F-9E7F-4C04-9D0D-FCA25A8E9E86}" type="datetime8">
               <a:rPr lang="en-US" smtClean="0"/>
-              <a:t>6/29/2023 12:45 PM</a:t>
+              <a:t>7/31/2023 10:33 AM</a:t>
             </a:fld>
             <a:endParaRPr lang="en-US" dirty="0"/>
           </a:p>
@@ -16857,7 +16857,7 @@
           <a:p>
             <a:fld id="{386CE63F-9E7F-4C04-9D0D-FCA25A8E9E86}" type="datetime8">
               <a:rPr lang="en-US" smtClean="0"/>
-              <a:t>6/29/2023 12:45 PM</a:t>
+              <a:t>7/31/2023 10:33 AM</a:t>
             </a:fld>
             <a:endParaRPr lang="en-US" dirty="0"/>
           </a:p>
@@ -17077,7 +17077,7 @@
           <a:p>
             <a:fld id="{386CE63F-9E7F-4C04-9D0D-FCA25A8E9E86}" type="datetime8">
               <a:rPr lang="en-US" smtClean="0"/>
-              <a:t>6/29/2023 12:45 PM</a:t>
+              <a:t>7/31/2023 10:33 AM</a:t>
             </a:fld>
             <a:endParaRPr lang="en-US" dirty="0"/>
           </a:p>
@@ -17290,7 +17290,7 @@
           <a:p>
             <a:fld id="{386CE63F-9E7F-4C04-9D0D-FCA25A8E9E86}" type="datetime8">
               <a:rPr lang="en-US" smtClean="0"/>
-              <a:t>6/29/2023 12:45 PM</a:t>
+              <a:t>7/31/2023 10:33 AM</a:t>
             </a:fld>
             <a:endParaRPr lang="en-US" dirty="0"/>
           </a:p>
@@ -17483,7 +17483,7 @@
           <a:p>
             <a:fld id="{386CE63F-9E7F-4C04-9D0D-FCA25A8E9E86}" type="datetime8">
               <a:rPr lang="en-US" smtClean="0"/>
-              <a:t>6/29/2023 12:45 PM</a:t>
+              <a:t>7/31/2023 10:33 AM</a:t>
             </a:fld>
             <a:endParaRPr lang="en-US" dirty="0"/>
           </a:p>
@@ -17670,7 +17670,7 @@
           <a:p>
             <a:fld id="{386CE63F-9E7F-4C04-9D0D-FCA25A8E9E86}" type="datetime8">
               <a:rPr lang="en-US" smtClean="0"/>
-              <a:t>6/29/2023 12:45 PM</a:t>
+              <a:t>7/31/2023 10:33 AM</a:t>
             </a:fld>
             <a:endParaRPr lang="en-US" dirty="0"/>
           </a:p>
@@ -17851,7 +17851,7 @@
           <a:p>
             <a:fld id="{386CE63F-9E7F-4C04-9D0D-FCA25A8E9E86}" type="datetime8">
               <a:rPr lang="en-US" smtClean="0"/>
-              <a:t>6/29/2023 12:45 PM</a:t>
+              <a:t>7/31/2023 10:33 AM</a:t>
             </a:fld>
             <a:endParaRPr lang="en-US" dirty="0"/>
           </a:p>
@@ -28462,13 +28462,8 @@
           <a:p>
             <a:r>
               <a:rPr lang="en-US" dirty="0"/>
-              <a:t>Subtitle or </a:t>
+              <a:t>Ryan Russell-Yates</a:t>
             </a:r>
-            <a:r>
-              <a:rPr lang="en-US"/>
-              <a:t>speaker name</a:t>
-            </a:r>
-            <a:endParaRPr lang="en-US" dirty="0"/>
           </a:p>
         </p:txBody>
       </p:sp>
@@ -34019,6 +34014,21 @@
 </file>
 
 <file path=customXml/item2.xml><?xml version="1.0" encoding="utf-8"?>
+<p:properties xmlns:p="http://schemas.microsoft.com/office/2006/metadata/properties" xmlns:pc="http://schemas.microsoft.com/office/infopath/2007/PartnerControls" xmlns:xsi="http://www.w3.org/2001/XMLSchema-instance">
+  <documentManagement>
+    <SharedWithUsers xmlns="53207a91-4873-4278-88cd-3a5c1985bff7">
+      <UserInfo>
+        <DisplayName/>
+        <AccountId xsi:nil="true"/>
+        <AccountType/>
+      </UserInfo>
+    </SharedWithUsers>
+    <SharedWithDetails xmlns="53207a91-4873-4278-88cd-3a5c1985bff7" xsi:nil="true"/>
+  </documentManagement>
+</p:properties>
+</file>
+
+<file path=customXml/item3.xml><?xml version="1.0" encoding="utf-8"?>
 <ct:contentTypeSchema xmlns:ct="http://schemas.microsoft.com/office/2006/metadata/contentType" xmlns:ma="http://schemas.microsoft.com/office/2006/metadata/properties/metaAttributes" ct:_="" ma:_="" ma:contentTypeName="Document" ma:contentTypeID="0x010100581AC3C96BC25B49BAADFDD2709736A2" ma:contentTypeVersion="13" ma:contentTypeDescription="Create a new document." ma:contentTypeScope="" ma:versionID="46d05e5ad3e10e23d0d91d2c812a342c">
   <xsd:schema xmlns:xsd="http://www.w3.org/2001/XMLSchema" xmlns:xs="http://www.w3.org/2001/XMLSchema" xmlns:p="http://schemas.microsoft.com/office/2006/metadata/properties" xmlns:ns3="61d4b2b7-c11c-4679-a498-c69870ddf3ad" xmlns:ns4="53207a91-4873-4278-88cd-3a5c1985bff7" targetNamespace="http://schemas.microsoft.com/office/2006/metadata/properties" ma:root="true" ma:fieldsID="23414a13395756fa7b20173620af81aa" ns3:_="" ns4:_="">
     <xsd:import namespace="61d4b2b7-c11c-4679-a498-c69870ddf3ad"/>
@@ -34241,21 +34251,6 @@
 </ct:contentTypeSchema>
 </file>
 
-<file path=customXml/item3.xml><?xml version="1.0" encoding="utf-8"?>
-<p:properties xmlns:p="http://schemas.microsoft.com/office/2006/metadata/properties" xmlns:pc="http://schemas.microsoft.com/office/infopath/2007/PartnerControls" xmlns:xsi="http://www.w3.org/2001/XMLSchema-instance">
-  <documentManagement>
-    <SharedWithUsers xmlns="53207a91-4873-4278-88cd-3a5c1985bff7">
-      <UserInfo>
-        <DisplayName/>
-        <AccountId xsi:nil="true"/>
-        <AccountType/>
-      </UserInfo>
-    </SharedWithUsers>
-    <SharedWithDetails xmlns="53207a91-4873-4278-88cd-3a5c1985bff7" xsi:nil="true"/>
-  </documentManagement>
-</p:properties>
-</file>
-
 <file path=customXml/itemProps1.xml><?xml version="1.0" encoding="utf-8"?>
 <ds:datastoreItem xmlns:ds="http://schemas.openxmlformats.org/officeDocument/2006/customXml" ds:itemID="{758FDAC0-319D-4A54-8D8E-1D42CB1F8004}">
   <ds:schemaRefs>
@@ -34265,6 +34260,23 @@
 </file>
 
 <file path=customXml/itemProps2.xml><?xml version="1.0" encoding="utf-8"?>
+<ds:datastoreItem xmlns:ds="http://schemas.openxmlformats.org/officeDocument/2006/customXml" ds:itemID="{F990F116-B58F-4255-B05B-DA3808E0E5C6}">
+  <ds:schemaRefs>
+    <ds:schemaRef ds:uri="http://purl.org/dc/dcmitype/"/>
+    <ds:schemaRef ds:uri="http://purl.org/dc/terms/"/>
+    <ds:schemaRef ds:uri="http://schemas.microsoft.com/office/2006/documentManagement/types"/>
+    <ds:schemaRef ds:uri="61d4b2b7-c11c-4679-a498-c69870ddf3ad"/>
+    <ds:schemaRef ds:uri="http://www.w3.org/XML/1998/namespace"/>
+    <ds:schemaRef ds:uri="http://schemas.microsoft.com/office/2006/metadata/properties"/>
+    <ds:schemaRef ds:uri="http://schemas.microsoft.com/office/infopath/2007/PartnerControls"/>
+    <ds:schemaRef ds:uri="http://purl.org/dc/elements/1.1/"/>
+    <ds:schemaRef ds:uri="http://schemas.openxmlformats.org/package/2006/metadata/core-properties"/>
+    <ds:schemaRef ds:uri="53207a91-4873-4278-88cd-3a5c1985bff7"/>
+  </ds:schemaRefs>
+</ds:datastoreItem>
+</file>
+
+<file path=customXml/itemProps3.xml><?xml version="1.0" encoding="utf-8"?>
 <ds:datastoreItem xmlns:ds="http://schemas.openxmlformats.org/officeDocument/2006/customXml" ds:itemID="{038AEBA6-4909-4FA6-B3B8-894B7F209BA0}">
   <ds:schemaRefs>
     <ds:schemaRef ds:uri="http://schemas.microsoft.com/office/2006/metadata/contentType"/>
@@ -34283,23 +34295,6 @@
 </ds:datastoreItem>
 </file>
 
-<file path=customXml/itemProps3.xml><?xml version="1.0" encoding="utf-8"?>
-<ds:datastoreItem xmlns:ds="http://schemas.openxmlformats.org/officeDocument/2006/customXml" ds:itemID="{F990F116-B58F-4255-B05B-DA3808E0E5C6}">
-  <ds:schemaRefs>
-    <ds:schemaRef ds:uri="http://purl.org/dc/dcmitype/"/>
-    <ds:schemaRef ds:uri="http://purl.org/dc/terms/"/>
-    <ds:schemaRef ds:uri="http://schemas.microsoft.com/office/2006/documentManagement/types"/>
-    <ds:schemaRef ds:uri="61d4b2b7-c11c-4679-a498-c69870ddf3ad"/>
-    <ds:schemaRef ds:uri="http://www.w3.org/XML/1998/namespace"/>
-    <ds:schemaRef ds:uri="http://schemas.microsoft.com/office/2006/metadata/properties"/>
-    <ds:schemaRef ds:uri="http://schemas.microsoft.com/office/infopath/2007/PartnerControls"/>
-    <ds:schemaRef ds:uri="http://purl.org/dc/elements/1.1/"/>
-    <ds:schemaRef ds:uri="http://schemas.openxmlformats.org/package/2006/metadata/core-properties"/>
-    <ds:schemaRef ds:uri="53207a91-4873-4278-88cd-3a5c1985bff7"/>
-  </ds:schemaRefs>
-</ds:datastoreItem>
-</file>
-
 <file path=docMetadata/LabelInfo.xml><?xml version="1.0" encoding="utf-8"?>
 <clbl:labelList xmlns:clbl="http://schemas.microsoft.com/office/2020/mipLabelMetadata">
   <clbl:label id="{f42aa342-8706-4288-bd11-ebb85995028c}" enabled="1" method="Standard" siteId="{72f988bf-86f1-41af-91ab-2d7cd011db47}" contentBits="0" removed="0"/>
